--- a/PresentazioneNaturasi.pptx
+++ b/PresentazioneNaturasi.pptx
@@ -5,7 +5,7 @@
     <p:sldMasterId id="2147483696" r:id="rId1"/>
   </p:sldMasterIdLst>
   <p:notesMasterIdLst>
-    <p:notesMasterId r:id="rId12"/>
+    <p:notesMasterId r:id="rId13"/>
   </p:notesMasterIdLst>
   <p:sldIdLst>
     <p:sldId id="258" r:id="rId2"/>
@@ -17,7 +17,8 @@
     <p:sldId id="265" r:id="rId8"/>
     <p:sldId id="269" r:id="rId9"/>
     <p:sldId id="270" r:id="rId10"/>
-    <p:sldId id="260" r:id="rId11"/>
+    <p:sldId id="271" r:id="rId11"/>
+    <p:sldId id="260" r:id="rId12"/>
   </p:sldIdLst>
   <p:sldSz cx="12192000" cy="6858000"/>
   <p:notesSz cx="6858000" cy="9144000"/>
@@ -130,6 +131,7 @@
             <p14:sldId id="265"/>
             <p14:sldId id="269"/>
             <p14:sldId id="270"/>
+            <p14:sldId id="271"/>
             <p14:sldId id="260"/>
           </p14:sldIdLst>
         </p14:section>
@@ -1402,6 +1404,401 @@
 </c:chartSpace>
 </file>
 
+<file path=ppt/charts/chart3.xml><?xml version="1.0" encoding="utf-8"?>
+<c:chartSpace xmlns:c="http://schemas.openxmlformats.org/drawingml/2006/chart" xmlns:a="http://schemas.openxmlformats.org/drawingml/2006/main" xmlns:r="http://schemas.openxmlformats.org/officeDocument/2006/relationships" xmlns:c16r2="http://schemas.microsoft.com/office/drawing/2015/06/chart">
+  <c:date1904 val="0"/>
+  <c:lang val="it-IT"/>
+  <c:roundedCorners val="0"/>
+  <mc:AlternateContent xmlns:mc="http://schemas.openxmlformats.org/markup-compatibility/2006">
+    <mc:Choice xmlns:c14="http://schemas.microsoft.com/office/drawing/2007/8/2/chart" Requires="c14">
+      <c14:style val="102"/>
+    </mc:Choice>
+    <mc:Fallback>
+      <c:style val="2"/>
+    </mc:Fallback>
+  </mc:AlternateContent>
+  <c:chart>
+    <c:title>
+      <c:tx>
+        <c:rich>
+          <a:bodyPr rot="0" spcFirstLastPara="1" vertOverflow="ellipsis" vert="horz" wrap="square" anchor="ctr" anchorCtr="1"/>
+          <a:lstStyle/>
+          <a:p>
+            <a:pPr>
+              <a:defRPr sz="1862" b="0" i="0" u="none" strike="noStrike" kern="1200" spc="0" baseline="0">
+                <a:solidFill>
+                  <a:schemeClr val="bg1"/>
+                </a:solidFill>
+                <a:latin typeface="+mn-lt"/>
+                <a:ea typeface="+mn-ea"/>
+                <a:cs typeface="+mn-cs"/>
+              </a:defRPr>
+            </a:pPr>
+            <a:r>
+              <a:rPr lang="it-IT" sz="1600" b="1" dirty="0">
+                <a:solidFill>
+                  <a:schemeClr val="bg1"/>
+                </a:solidFill>
+                <a:latin typeface="+mj-lt"/>
+              </a:rPr>
+              <a:t>Utile (M euro)</a:t>
+            </a:r>
+          </a:p>
+        </c:rich>
+      </c:tx>
+      <c:overlay val="0"/>
+      <c:spPr>
+        <a:noFill/>
+        <a:ln>
+          <a:noFill/>
+        </a:ln>
+        <a:effectLst/>
+      </c:spPr>
+      <c:txPr>
+        <a:bodyPr rot="0" spcFirstLastPara="1" vertOverflow="ellipsis" vert="horz" wrap="square" anchor="ctr" anchorCtr="1"/>
+        <a:lstStyle/>
+        <a:p>
+          <a:pPr>
+            <a:defRPr sz="1862" b="0" i="0" u="none" strike="noStrike" kern="1200" spc="0" baseline="0">
+              <a:solidFill>
+                <a:schemeClr val="bg1"/>
+              </a:solidFill>
+              <a:latin typeface="+mn-lt"/>
+              <a:ea typeface="+mn-ea"/>
+              <a:cs typeface="+mn-cs"/>
+            </a:defRPr>
+          </a:pPr>
+          <a:endParaRPr lang="it-IT"/>
+        </a:p>
+      </c:txPr>
+    </c:title>
+    <c:autoTitleDeleted val="0"/>
+    <c:plotArea>
+      <c:layout>
+        <c:manualLayout>
+          <c:layoutTarget val="inner"/>
+          <c:xMode val="edge"/>
+          <c:yMode val="edge"/>
+          <c:x val="0.10687266240157481"/>
+          <c:y val="0.11961336616551634"/>
+          <c:w val="0.85562733759842535"/>
+          <c:h val="0.74030310406600008"/>
+        </c:manualLayout>
+      </c:layout>
+      <c:barChart>
+        <c:barDir val="col"/>
+        <c:grouping val="clustered"/>
+        <c:varyColors val="0"/>
+        <c:ser>
+          <c:idx val="0"/>
+          <c:order val="0"/>
+          <c:tx>
+            <c:strRef>
+              <c:f>Foglio1!$B$1</c:f>
+              <c:strCache>
+                <c:ptCount val="1"/>
+                <c:pt idx="0">
+                  <c:v>2018</c:v>
+                </c:pt>
+              </c:strCache>
+            </c:strRef>
+          </c:tx>
+          <c:spPr>
+            <a:solidFill>
+              <a:schemeClr val="accent1"/>
+            </a:solidFill>
+            <a:ln>
+              <a:noFill/>
+            </a:ln>
+            <a:effectLst/>
+          </c:spPr>
+          <c:invertIfNegative val="0"/>
+          <c:cat>
+            <c:strRef>
+              <c:f>Foglio1!$A$2</c:f>
+              <c:strCache>
+                <c:ptCount val="1"/>
+                <c:pt idx="0">
+                  <c:v>Utile (M euro)</c:v>
+                </c:pt>
+              </c:strCache>
+            </c:strRef>
+          </c:cat>
+          <c:val>
+            <c:numRef>
+              <c:f>Foglio1!$B$2</c:f>
+              <c:numCache>
+                <c:formatCode>General</c:formatCode>
+                <c:ptCount val="1"/>
+                <c:pt idx="0">
+                  <c:v>-28.93</c:v>
+                </c:pt>
+              </c:numCache>
+            </c:numRef>
+          </c:val>
+          <c:extLst>
+            <c:ext xmlns:c16="http://schemas.microsoft.com/office/drawing/2014/chart" uri="{C3380CC4-5D6E-409C-BE32-E72D297353CC}">
+              <c16:uniqueId val="{00000000-5557-415D-B163-B90AC0BAA7E8}"/>
+            </c:ext>
+          </c:extLst>
+        </c:ser>
+        <c:ser>
+          <c:idx val="1"/>
+          <c:order val="1"/>
+          <c:tx>
+            <c:strRef>
+              <c:f>Foglio1!$C$1</c:f>
+              <c:strCache>
+                <c:ptCount val="1"/>
+                <c:pt idx="0">
+                  <c:v>2019</c:v>
+                </c:pt>
+              </c:strCache>
+            </c:strRef>
+          </c:tx>
+          <c:spPr>
+            <a:solidFill>
+              <a:schemeClr val="accent2"/>
+            </a:solidFill>
+            <a:ln>
+              <a:noFill/>
+            </a:ln>
+            <a:effectLst/>
+          </c:spPr>
+          <c:invertIfNegative val="0"/>
+          <c:cat>
+            <c:strRef>
+              <c:f>Foglio1!$A$2</c:f>
+              <c:strCache>
+                <c:ptCount val="1"/>
+                <c:pt idx="0">
+                  <c:v>Utile (M euro)</c:v>
+                </c:pt>
+              </c:strCache>
+            </c:strRef>
+          </c:cat>
+          <c:val>
+            <c:numRef>
+              <c:f>Foglio1!$C$2</c:f>
+              <c:numCache>
+                <c:formatCode>General</c:formatCode>
+                <c:ptCount val="1"/>
+                <c:pt idx="0">
+                  <c:v>-18.27</c:v>
+                </c:pt>
+              </c:numCache>
+            </c:numRef>
+          </c:val>
+          <c:extLst>
+            <c:ext xmlns:c16="http://schemas.microsoft.com/office/drawing/2014/chart" uri="{C3380CC4-5D6E-409C-BE32-E72D297353CC}">
+              <c16:uniqueId val="{00000001-5557-415D-B163-B90AC0BAA7E8}"/>
+            </c:ext>
+          </c:extLst>
+        </c:ser>
+        <c:ser>
+          <c:idx val="2"/>
+          <c:order val="2"/>
+          <c:tx>
+            <c:strRef>
+              <c:f>Foglio1!$D$1</c:f>
+              <c:strCache>
+                <c:ptCount val="1"/>
+                <c:pt idx="0">
+                  <c:v>2020</c:v>
+                </c:pt>
+              </c:strCache>
+            </c:strRef>
+          </c:tx>
+          <c:spPr>
+            <a:solidFill>
+              <a:schemeClr val="accent3"/>
+            </a:solidFill>
+            <a:ln>
+              <a:noFill/>
+            </a:ln>
+            <a:effectLst/>
+          </c:spPr>
+          <c:invertIfNegative val="0"/>
+          <c:cat>
+            <c:strRef>
+              <c:f>Foglio1!$A$2</c:f>
+              <c:strCache>
+                <c:ptCount val="1"/>
+                <c:pt idx="0">
+                  <c:v>Utile (M euro)</c:v>
+                </c:pt>
+              </c:strCache>
+            </c:strRef>
+          </c:cat>
+          <c:val>
+            <c:numRef>
+              <c:f>Foglio1!$D$2</c:f>
+              <c:numCache>
+                <c:formatCode>General</c:formatCode>
+                <c:ptCount val="1"/>
+                <c:pt idx="0">
+                  <c:v>-14.33</c:v>
+                </c:pt>
+              </c:numCache>
+            </c:numRef>
+          </c:val>
+          <c:extLst>
+            <c:ext xmlns:c16="http://schemas.microsoft.com/office/drawing/2014/chart" uri="{C3380CC4-5D6E-409C-BE32-E72D297353CC}">
+              <c16:uniqueId val="{00000002-5557-415D-B163-B90AC0BAA7E8}"/>
+            </c:ext>
+          </c:extLst>
+        </c:ser>
+        <c:dLbls>
+          <c:showLegendKey val="0"/>
+          <c:showVal val="0"/>
+          <c:showCatName val="0"/>
+          <c:showSerName val="0"/>
+          <c:showPercent val="0"/>
+          <c:showBubbleSize val="0"/>
+        </c:dLbls>
+        <c:gapWidth val="219"/>
+        <c:overlap val="-27"/>
+        <c:axId val="1218937999"/>
+        <c:axId val="1218950479"/>
+      </c:barChart>
+      <c:catAx>
+        <c:axId val="1218937999"/>
+        <c:scaling>
+          <c:orientation val="minMax"/>
+        </c:scaling>
+        <c:delete val="1"/>
+        <c:axPos val="b"/>
+        <c:numFmt formatCode="General" sourceLinked="1"/>
+        <c:majorTickMark val="none"/>
+        <c:minorTickMark val="none"/>
+        <c:tickLblPos val="nextTo"/>
+        <c:crossAx val="1218950479"/>
+        <c:crosses val="autoZero"/>
+        <c:auto val="1"/>
+        <c:lblAlgn val="ctr"/>
+        <c:lblOffset val="100"/>
+        <c:noMultiLvlLbl val="0"/>
+      </c:catAx>
+      <c:valAx>
+        <c:axId val="1218950479"/>
+        <c:scaling>
+          <c:orientation val="minMax"/>
+        </c:scaling>
+        <c:delete val="0"/>
+        <c:axPos val="l"/>
+        <c:majorGridlines>
+          <c:spPr>
+            <a:ln w="9525" cap="flat" cmpd="sng" algn="ctr">
+              <a:solidFill>
+                <a:schemeClr val="bg1"/>
+              </a:solidFill>
+              <a:round/>
+            </a:ln>
+            <a:effectLst/>
+          </c:spPr>
+        </c:majorGridlines>
+        <c:numFmt formatCode="General" sourceLinked="1"/>
+        <c:majorTickMark val="none"/>
+        <c:minorTickMark val="none"/>
+        <c:tickLblPos val="nextTo"/>
+        <c:spPr>
+          <a:noFill/>
+          <a:ln>
+            <a:noFill/>
+          </a:ln>
+          <a:effectLst/>
+        </c:spPr>
+        <c:txPr>
+          <a:bodyPr rot="-60000000" spcFirstLastPara="1" vertOverflow="ellipsis" vert="horz" wrap="square" anchor="ctr" anchorCtr="1"/>
+          <a:lstStyle/>
+          <a:p>
+            <a:pPr>
+              <a:defRPr sz="1197" b="0" i="0" u="none" strike="noStrike" kern="1200" baseline="0">
+                <a:solidFill>
+                  <a:schemeClr val="bg1"/>
+                </a:solidFill>
+                <a:latin typeface="+mn-lt"/>
+                <a:ea typeface="+mn-ea"/>
+                <a:cs typeface="+mn-cs"/>
+              </a:defRPr>
+            </a:pPr>
+            <a:endParaRPr lang="it-IT"/>
+          </a:p>
+        </c:txPr>
+        <c:crossAx val="1218937999"/>
+        <c:crosses val="autoZero"/>
+        <c:crossBetween val="between"/>
+      </c:valAx>
+      <c:spPr>
+        <a:noFill/>
+        <a:ln>
+          <a:noFill/>
+        </a:ln>
+        <a:effectLst/>
+      </c:spPr>
+    </c:plotArea>
+    <c:legend>
+      <c:legendPos val="b"/>
+      <c:overlay val="0"/>
+      <c:spPr>
+        <a:noFill/>
+        <a:ln>
+          <a:noFill/>
+        </a:ln>
+        <a:effectLst/>
+      </c:spPr>
+      <c:txPr>
+        <a:bodyPr rot="0" spcFirstLastPara="1" vertOverflow="ellipsis" vert="horz" wrap="square" anchor="ctr" anchorCtr="1"/>
+        <a:lstStyle/>
+        <a:p>
+          <a:pPr>
+            <a:defRPr sz="1197" b="0" i="0" u="none" strike="noStrike" kern="1200" baseline="0">
+              <a:solidFill>
+                <a:schemeClr val="bg1"/>
+              </a:solidFill>
+              <a:latin typeface="+mn-lt"/>
+              <a:ea typeface="+mn-ea"/>
+              <a:cs typeface="+mn-cs"/>
+            </a:defRPr>
+          </a:pPr>
+          <a:endParaRPr lang="it-IT"/>
+        </a:p>
+      </c:txPr>
+    </c:legend>
+    <c:plotVisOnly val="1"/>
+    <c:dispBlanksAs val="gap"/>
+    <c:extLst>
+      <c:ext xmlns:c16r3="http://schemas.microsoft.com/office/drawing/2017/03/chart" uri="{56B9EC1D-385E-4148-901F-78D8002777C0}">
+        <c16r3:dataDisplayOptions16>
+          <c16r3:dispNaAsBlank val="1"/>
+        </c16r3:dataDisplayOptions16>
+      </c:ext>
+    </c:extLst>
+    <c:showDLblsOverMax val="0"/>
+  </c:chart>
+  <c:spPr>
+    <a:noFill/>
+    <a:ln>
+      <a:noFill/>
+    </a:ln>
+    <a:effectLst/>
+  </c:spPr>
+  <c:txPr>
+    <a:bodyPr/>
+    <a:lstStyle/>
+    <a:p>
+      <a:pPr>
+        <a:defRPr/>
+      </a:pPr>
+      <a:endParaRPr lang="it-IT"/>
+    </a:p>
+  </c:txPr>
+  <c:externalData r:id="rId3">
+    <c:autoUpdate val="0"/>
+  </c:externalData>
+</c:chartSpace>
+</file>
+
 <file path=ppt/charts/chartEx1.xml><?xml version="1.0" encoding="utf-8"?>
 <cx:chartSpace xmlns:a="http://schemas.openxmlformats.org/drawingml/2006/main" xmlns:r="http://schemas.openxmlformats.org/officeDocument/2006/relationships" xmlns:cx="http://schemas.microsoft.com/office/drawing/2014/chartex">
   <cx:chartData>
@@ -1605,6 +2002,46 @@
 </file>
 
 <file path=ppt/charts/colors3.xml><?xml version="1.0" encoding="utf-8"?>
+<cs:colorStyle xmlns:cs="http://schemas.microsoft.com/office/drawing/2012/chartStyle" xmlns:a="http://schemas.openxmlformats.org/drawingml/2006/main" meth="cycle" id="10">
+  <a:schemeClr val="accent1"/>
+  <a:schemeClr val="accent2"/>
+  <a:schemeClr val="accent3"/>
+  <a:schemeClr val="accent4"/>
+  <a:schemeClr val="accent5"/>
+  <a:schemeClr val="accent6"/>
+  <cs:variation/>
+  <cs:variation>
+    <a:lumMod val="60000"/>
+  </cs:variation>
+  <cs:variation>
+    <a:lumMod val="80000"/>
+    <a:lumOff val="20000"/>
+  </cs:variation>
+  <cs:variation>
+    <a:lumMod val="80000"/>
+  </cs:variation>
+  <cs:variation>
+    <a:lumMod val="60000"/>
+    <a:lumOff val="40000"/>
+  </cs:variation>
+  <cs:variation>
+    <a:lumMod val="50000"/>
+  </cs:variation>
+  <cs:variation>
+    <a:lumMod val="70000"/>
+    <a:lumOff val="30000"/>
+  </cs:variation>
+  <cs:variation>
+    <a:lumMod val="70000"/>
+  </cs:variation>
+  <cs:variation>
+    <a:lumMod val="50000"/>
+    <a:lumOff val="50000"/>
+  </cs:variation>
+</cs:colorStyle>
+</file>
+
+<file path=ppt/charts/colors4.xml><?xml version="1.0" encoding="utf-8"?>
 <cs:colorStyle xmlns:cs="http://schemas.microsoft.com/office/drawing/2012/chartStyle" xmlns:a="http://schemas.openxmlformats.org/drawingml/2006/main" meth="cycle" id="10">
   <a:schemeClr val="accent1"/>
   <a:schemeClr val="accent2"/>
@@ -3356,6 +3793,509 @@
 </cs:chartStyle>
 </file>
 
+<file path=ppt/charts/style4.xml><?xml version="1.0" encoding="utf-8"?>
+<cs:chartStyle xmlns:cs="http://schemas.microsoft.com/office/drawing/2012/chartStyle" xmlns:a="http://schemas.openxmlformats.org/drawingml/2006/main" id="201">
+  <cs:axisTitle>
+    <cs:lnRef idx="0"/>
+    <cs:fillRef idx="0"/>
+    <cs:effectRef idx="0"/>
+    <cs:fontRef idx="minor">
+      <a:schemeClr val="tx1">
+        <a:lumMod val="65000"/>
+        <a:lumOff val="35000"/>
+      </a:schemeClr>
+    </cs:fontRef>
+    <cs:defRPr sz="1330" kern="1200"/>
+  </cs:axisTitle>
+  <cs:categoryAxis>
+    <cs:lnRef idx="0"/>
+    <cs:fillRef idx="0"/>
+    <cs:effectRef idx="0"/>
+    <cs:fontRef idx="minor">
+      <a:schemeClr val="tx1">
+        <a:lumMod val="65000"/>
+        <a:lumOff val="35000"/>
+      </a:schemeClr>
+    </cs:fontRef>
+    <cs:spPr>
+      <a:ln w="9525" cap="flat" cmpd="sng" algn="ctr">
+        <a:solidFill>
+          <a:schemeClr val="tx1">
+            <a:lumMod val="15000"/>
+            <a:lumOff val="85000"/>
+          </a:schemeClr>
+        </a:solidFill>
+        <a:round/>
+      </a:ln>
+    </cs:spPr>
+    <cs:defRPr sz="1197" kern="1200"/>
+  </cs:categoryAxis>
+  <cs:chartArea mods="allowNoFillOverride allowNoLineOverride">
+    <cs:lnRef idx="0"/>
+    <cs:fillRef idx="0"/>
+    <cs:effectRef idx="0"/>
+    <cs:fontRef idx="minor">
+      <a:schemeClr val="tx1"/>
+    </cs:fontRef>
+    <cs:spPr>
+      <a:solidFill>
+        <a:schemeClr val="bg1"/>
+      </a:solidFill>
+      <a:ln w="9525" cap="flat" cmpd="sng" algn="ctr">
+        <a:solidFill>
+          <a:schemeClr val="tx1">
+            <a:lumMod val="15000"/>
+            <a:lumOff val="85000"/>
+          </a:schemeClr>
+        </a:solidFill>
+        <a:round/>
+      </a:ln>
+    </cs:spPr>
+    <cs:defRPr sz="1330" kern="1200"/>
+  </cs:chartArea>
+  <cs:dataLabel>
+    <cs:lnRef idx="0"/>
+    <cs:fillRef idx="0"/>
+    <cs:effectRef idx="0"/>
+    <cs:fontRef idx="minor">
+      <a:schemeClr val="tx1">
+        <a:lumMod val="75000"/>
+        <a:lumOff val="25000"/>
+      </a:schemeClr>
+    </cs:fontRef>
+    <cs:defRPr sz="1197" kern="1200"/>
+  </cs:dataLabel>
+  <cs:dataLabelCallout>
+    <cs:lnRef idx="0"/>
+    <cs:fillRef idx="0"/>
+    <cs:effectRef idx="0"/>
+    <cs:fontRef idx="minor">
+      <a:schemeClr val="dk1">
+        <a:lumMod val="65000"/>
+        <a:lumOff val="35000"/>
+      </a:schemeClr>
+    </cs:fontRef>
+    <cs:spPr>
+      <a:solidFill>
+        <a:schemeClr val="lt1"/>
+      </a:solidFill>
+      <a:ln>
+        <a:solidFill>
+          <a:schemeClr val="dk1">
+            <a:lumMod val="25000"/>
+            <a:lumOff val="75000"/>
+          </a:schemeClr>
+        </a:solidFill>
+      </a:ln>
+    </cs:spPr>
+    <cs:defRPr sz="1197" kern="1200"/>
+    <cs:bodyPr rot="0" spcFirstLastPara="1" vertOverflow="clip" horzOverflow="clip" vert="horz" wrap="square" lIns="36576" tIns="18288" rIns="36576" bIns="18288" anchor="ctr" anchorCtr="1">
+      <a:spAutoFit/>
+    </cs:bodyPr>
+  </cs:dataLabelCallout>
+  <cs:dataPoint>
+    <cs:lnRef idx="0"/>
+    <cs:fillRef idx="1">
+      <cs:styleClr val="auto"/>
+    </cs:fillRef>
+    <cs:effectRef idx="0"/>
+    <cs:fontRef idx="minor">
+      <a:schemeClr val="tx1"/>
+    </cs:fontRef>
+  </cs:dataPoint>
+  <cs:dataPoint3D>
+    <cs:lnRef idx="0"/>
+    <cs:fillRef idx="1">
+      <cs:styleClr val="auto"/>
+    </cs:fillRef>
+    <cs:effectRef idx="0"/>
+    <cs:fontRef idx="minor">
+      <a:schemeClr val="tx1"/>
+    </cs:fontRef>
+  </cs:dataPoint3D>
+  <cs:dataPointLine>
+    <cs:lnRef idx="0">
+      <cs:styleClr val="auto"/>
+    </cs:lnRef>
+    <cs:fillRef idx="1"/>
+    <cs:effectRef idx="0"/>
+    <cs:fontRef idx="minor">
+      <a:schemeClr val="tx1"/>
+    </cs:fontRef>
+    <cs:spPr>
+      <a:ln w="28575" cap="rnd">
+        <a:solidFill>
+          <a:schemeClr val="phClr"/>
+        </a:solidFill>
+        <a:round/>
+      </a:ln>
+    </cs:spPr>
+  </cs:dataPointLine>
+  <cs:dataPointMarker>
+    <cs:lnRef idx="0">
+      <cs:styleClr val="auto"/>
+    </cs:lnRef>
+    <cs:fillRef idx="1">
+      <cs:styleClr val="auto"/>
+    </cs:fillRef>
+    <cs:effectRef idx="0"/>
+    <cs:fontRef idx="minor">
+      <a:schemeClr val="tx1"/>
+    </cs:fontRef>
+    <cs:spPr>
+      <a:ln w="9525">
+        <a:solidFill>
+          <a:schemeClr val="phClr"/>
+        </a:solidFill>
+      </a:ln>
+    </cs:spPr>
+  </cs:dataPointMarker>
+  <cs:dataPointMarkerLayout symbol="circle" size="5"/>
+  <cs:dataPointWireframe>
+    <cs:lnRef idx="0">
+      <cs:styleClr val="auto"/>
+    </cs:lnRef>
+    <cs:fillRef idx="1"/>
+    <cs:effectRef idx="0"/>
+    <cs:fontRef idx="minor">
+      <a:schemeClr val="tx1"/>
+    </cs:fontRef>
+    <cs:spPr>
+      <a:ln w="9525" cap="rnd">
+        <a:solidFill>
+          <a:schemeClr val="phClr"/>
+        </a:solidFill>
+        <a:round/>
+      </a:ln>
+    </cs:spPr>
+  </cs:dataPointWireframe>
+  <cs:dataTable>
+    <cs:lnRef idx="0"/>
+    <cs:fillRef idx="0"/>
+    <cs:effectRef idx="0"/>
+    <cs:fontRef idx="minor">
+      <a:schemeClr val="tx1">
+        <a:lumMod val="65000"/>
+        <a:lumOff val="35000"/>
+      </a:schemeClr>
+    </cs:fontRef>
+    <cs:spPr>
+      <a:noFill/>
+      <a:ln w="9525" cap="flat" cmpd="sng" algn="ctr">
+        <a:solidFill>
+          <a:schemeClr val="tx1">
+            <a:lumMod val="15000"/>
+            <a:lumOff val="85000"/>
+          </a:schemeClr>
+        </a:solidFill>
+        <a:round/>
+      </a:ln>
+    </cs:spPr>
+    <cs:defRPr sz="1197" kern="1200"/>
+  </cs:dataTable>
+  <cs:downBar>
+    <cs:lnRef idx="0"/>
+    <cs:fillRef idx="0"/>
+    <cs:effectRef idx="0"/>
+    <cs:fontRef idx="minor">
+      <a:schemeClr val="dk1"/>
+    </cs:fontRef>
+    <cs:spPr>
+      <a:solidFill>
+        <a:schemeClr val="dk1">
+          <a:lumMod val="65000"/>
+          <a:lumOff val="35000"/>
+        </a:schemeClr>
+      </a:solidFill>
+      <a:ln w="9525">
+        <a:solidFill>
+          <a:schemeClr val="tx1">
+            <a:lumMod val="65000"/>
+            <a:lumOff val="35000"/>
+          </a:schemeClr>
+        </a:solidFill>
+      </a:ln>
+    </cs:spPr>
+  </cs:downBar>
+  <cs:dropLine>
+    <cs:lnRef idx="0"/>
+    <cs:fillRef idx="0"/>
+    <cs:effectRef idx="0"/>
+    <cs:fontRef idx="minor">
+      <a:schemeClr val="tx1"/>
+    </cs:fontRef>
+    <cs:spPr>
+      <a:ln w="9525" cap="flat" cmpd="sng" algn="ctr">
+        <a:solidFill>
+          <a:schemeClr val="tx1">
+            <a:lumMod val="35000"/>
+            <a:lumOff val="65000"/>
+          </a:schemeClr>
+        </a:solidFill>
+        <a:round/>
+      </a:ln>
+    </cs:spPr>
+  </cs:dropLine>
+  <cs:errorBar>
+    <cs:lnRef idx="0"/>
+    <cs:fillRef idx="0"/>
+    <cs:effectRef idx="0"/>
+    <cs:fontRef idx="minor">
+      <a:schemeClr val="tx1"/>
+    </cs:fontRef>
+    <cs:spPr>
+      <a:ln w="9525" cap="flat" cmpd="sng" algn="ctr">
+        <a:solidFill>
+          <a:schemeClr val="tx1">
+            <a:lumMod val="65000"/>
+            <a:lumOff val="35000"/>
+          </a:schemeClr>
+        </a:solidFill>
+        <a:round/>
+      </a:ln>
+    </cs:spPr>
+  </cs:errorBar>
+  <cs:floor>
+    <cs:lnRef idx="0"/>
+    <cs:fillRef idx="0"/>
+    <cs:effectRef idx="0"/>
+    <cs:fontRef idx="minor">
+      <a:schemeClr val="tx1"/>
+    </cs:fontRef>
+    <cs:spPr>
+      <a:noFill/>
+      <a:ln>
+        <a:noFill/>
+      </a:ln>
+    </cs:spPr>
+  </cs:floor>
+  <cs:gridlineMajor>
+    <cs:lnRef idx="0"/>
+    <cs:fillRef idx="0"/>
+    <cs:effectRef idx="0"/>
+    <cs:fontRef idx="minor">
+      <a:schemeClr val="tx1"/>
+    </cs:fontRef>
+    <cs:spPr>
+      <a:ln w="9525" cap="flat" cmpd="sng" algn="ctr">
+        <a:solidFill>
+          <a:schemeClr val="tx1">
+            <a:lumMod val="15000"/>
+            <a:lumOff val="85000"/>
+          </a:schemeClr>
+        </a:solidFill>
+        <a:round/>
+      </a:ln>
+    </cs:spPr>
+  </cs:gridlineMajor>
+  <cs:gridlineMinor>
+    <cs:lnRef idx="0"/>
+    <cs:fillRef idx="0"/>
+    <cs:effectRef idx="0"/>
+    <cs:fontRef idx="minor">
+      <a:schemeClr val="tx1"/>
+    </cs:fontRef>
+    <cs:spPr>
+      <a:ln w="9525" cap="flat" cmpd="sng" algn="ctr">
+        <a:solidFill>
+          <a:schemeClr val="tx1">
+            <a:lumMod val="5000"/>
+            <a:lumOff val="95000"/>
+          </a:schemeClr>
+        </a:solidFill>
+        <a:round/>
+      </a:ln>
+    </cs:spPr>
+  </cs:gridlineMinor>
+  <cs:hiLoLine>
+    <cs:lnRef idx="0"/>
+    <cs:fillRef idx="0"/>
+    <cs:effectRef idx="0"/>
+    <cs:fontRef idx="minor">
+      <a:schemeClr val="tx1"/>
+    </cs:fontRef>
+    <cs:spPr>
+      <a:ln w="9525" cap="flat" cmpd="sng" algn="ctr">
+        <a:solidFill>
+          <a:schemeClr val="tx1">
+            <a:lumMod val="75000"/>
+            <a:lumOff val="25000"/>
+          </a:schemeClr>
+        </a:solidFill>
+        <a:round/>
+      </a:ln>
+    </cs:spPr>
+  </cs:hiLoLine>
+  <cs:leaderLine>
+    <cs:lnRef idx="0"/>
+    <cs:fillRef idx="0"/>
+    <cs:effectRef idx="0"/>
+    <cs:fontRef idx="minor">
+      <a:schemeClr val="tx1"/>
+    </cs:fontRef>
+    <cs:spPr>
+      <a:ln w="9525" cap="flat" cmpd="sng" algn="ctr">
+        <a:solidFill>
+          <a:schemeClr val="tx1">
+            <a:lumMod val="35000"/>
+            <a:lumOff val="65000"/>
+          </a:schemeClr>
+        </a:solidFill>
+        <a:round/>
+      </a:ln>
+    </cs:spPr>
+  </cs:leaderLine>
+  <cs:legend>
+    <cs:lnRef idx="0"/>
+    <cs:fillRef idx="0"/>
+    <cs:effectRef idx="0"/>
+    <cs:fontRef idx="minor">
+      <a:schemeClr val="tx1">
+        <a:lumMod val="65000"/>
+        <a:lumOff val="35000"/>
+      </a:schemeClr>
+    </cs:fontRef>
+    <cs:defRPr sz="1197" kern="1200"/>
+  </cs:legend>
+  <cs:plotArea mods="allowNoFillOverride allowNoLineOverride">
+    <cs:lnRef idx="0"/>
+    <cs:fillRef idx="0"/>
+    <cs:effectRef idx="0"/>
+    <cs:fontRef idx="minor">
+      <a:schemeClr val="tx1"/>
+    </cs:fontRef>
+  </cs:plotArea>
+  <cs:plotArea3D mods="allowNoFillOverride allowNoLineOverride">
+    <cs:lnRef idx="0"/>
+    <cs:fillRef idx="0"/>
+    <cs:effectRef idx="0"/>
+    <cs:fontRef idx="minor">
+      <a:schemeClr val="tx1"/>
+    </cs:fontRef>
+  </cs:plotArea3D>
+  <cs:seriesAxis>
+    <cs:lnRef idx="0"/>
+    <cs:fillRef idx="0"/>
+    <cs:effectRef idx="0"/>
+    <cs:fontRef idx="minor">
+      <a:schemeClr val="tx1">
+        <a:lumMod val="65000"/>
+        <a:lumOff val="35000"/>
+      </a:schemeClr>
+    </cs:fontRef>
+    <cs:defRPr sz="1197" kern="1200"/>
+  </cs:seriesAxis>
+  <cs:seriesLine>
+    <cs:lnRef idx="0"/>
+    <cs:fillRef idx="0"/>
+    <cs:effectRef idx="0"/>
+    <cs:fontRef idx="minor">
+      <a:schemeClr val="tx1"/>
+    </cs:fontRef>
+    <cs:spPr>
+      <a:ln w="9525" cap="flat" cmpd="sng" algn="ctr">
+        <a:solidFill>
+          <a:schemeClr val="tx1">
+            <a:lumMod val="35000"/>
+            <a:lumOff val="65000"/>
+          </a:schemeClr>
+        </a:solidFill>
+        <a:round/>
+      </a:ln>
+    </cs:spPr>
+  </cs:seriesLine>
+  <cs:title>
+    <cs:lnRef idx="0"/>
+    <cs:fillRef idx="0"/>
+    <cs:effectRef idx="0"/>
+    <cs:fontRef idx="minor">
+      <a:schemeClr val="tx1">
+        <a:lumMod val="65000"/>
+        <a:lumOff val="35000"/>
+      </a:schemeClr>
+    </cs:fontRef>
+    <cs:defRPr sz="1862" b="0" kern="1200" spc="0" baseline="0"/>
+  </cs:title>
+  <cs:trendline>
+    <cs:lnRef idx="0">
+      <cs:styleClr val="auto"/>
+    </cs:lnRef>
+    <cs:fillRef idx="0"/>
+    <cs:effectRef idx="0"/>
+    <cs:fontRef idx="minor">
+      <a:schemeClr val="tx1"/>
+    </cs:fontRef>
+    <cs:spPr>
+      <a:ln w="19050" cap="rnd">
+        <a:solidFill>
+          <a:schemeClr val="phClr"/>
+        </a:solidFill>
+        <a:prstDash val="sysDot"/>
+      </a:ln>
+    </cs:spPr>
+  </cs:trendline>
+  <cs:trendlineLabel>
+    <cs:lnRef idx="0"/>
+    <cs:fillRef idx="0"/>
+    <cs:effectRef idx="0"/>
+    <cs:fontRef idx="minor">
+      <a:schemeClr val="tx1">
+        <a:lumMod val="65000"/>
+        <a:lumOff val="35000"/>
+      </a:schemeClr>
+    </cs:fontRef>
+    <cs:defRPr sz="1197" kern="1200"/>
+  </cs:trendlineLabel>
+  <cs:upBar>
+    <cs:lnRef idx="0"/>
+    <cs:fillRef idx="0"/>
+    <cs:effectRef idx="0"/>
+    <cs:fontRef idx="minor">
+      <a:schemeClr val="dk1"/>
+    </cs:fontRef>
+    <cs:spPr>
+      <a:solidFill>
+        <a:schemeClr val="lt1"/>
+      </a:solidFill>
+      <a:ln w="9525">
+        <a:solidFill>
+          <a:schemeClr val="tx1">
+            <a:lumMod val="15000"/>
+            <a:lumOff val="85000"/>
+          </a:schemeClr>
+        </a:solidFill>
+      </a:ln>
+    </cs:spPr>
+  </cs:upBar>
+  <cs:valueAxis>
+    <cs:lnRef idx="0"/>
+    <cs:fillRef idx="0"/>
+    <cs:effectRef idx="0"/>
+    <cs:fontRef idx="minor">
+      <a:schemeClr val="tx1">
+        <a:lumMod val="65000"/>
+        <a:lumOff val="35000"/>
+      </a:schemeClr>
+    </cs:fontRef>
+    <cs:defRPr sz="1197" kern="1200"/>
+  </cs:valueAxis>
+  <cs:wall>
+    <cs:lnRef idx="0"/>
+    <cs:fillRef idx="0"/>
+    <cs:effectRef idx="0"/>
+    <cs:fontRef idx="minor">
+      <a:schemeClr val="tx1"/>
+    </cs:fontRef>
+    <cs:spPr>
+      <a:noFill/>
+      <a:ln>
+        <a:noFill/>
+      </a:ln>
+    </cs:spPr>
+  </cs:wall>
+</cs:chartStyle>
+</file>
+
 <file path=ppt/diagrams/colors1.xml><?xml version="1.0" encoding="utf-8"?>
 <dgm:colorsDef xmlns:dgm="http://schemas.openxmlformats.org/drawingml/2006/diagram" xmlns:a="http://schemas.openxmlformats.org/drawingml/2006/main" uniqueId="urn:microsoft.com/office/officeart/2005/8/colors/accent2_2">
   <dgm:title val=""/>
@@ -8586,6 +9526,753 @@
 </file>
 
 <file path=ppt/diagrams/colors8.xml><?xml version="1.0" encoding="utf-8"?>
+<dgm:colorsDef xmlns:dgm="http://schemas.openxmlformats.org/drawingml/2006/diagram" xmlns:a="http://schemas.openxmlformats.org/drawingml/2006/main" uniqueId="urn:microsoft.com/office/officeart/2005/8/colors/accent1_2">
+  <dgm:title val=""/>
+  <dgm:desc val=""/>
+  <dgm:catLst>
+    <dgm:cat type="accent1" pri="11200"/>
+  </dgm:catLst>
+  <dgm:styleLbl name="node0">
+    <dgm:fillClrLst meth="repeat">
+      <a:schemeClr val="accent1"/>
+    </dgm:fillClrLst>
+    <dgm:linClrLst meth="repeat">
+      <a:schemeClr val="lt1"/>
+    </dgm:linClrLst>
+    <dgm:effectClrLst/>
+    <dgm:txLinClrLst/>
+    <dgm:txFillClrLst/>
+    <dgm:txEffectClrLst/>
+  </dgm:styleLbl>
+  <dgm:styleLbl name="alignNode1">
+    <dgm:fillClrLst meth="repeat">
+      <a:schemeClr val="accent1"/>
+    </dgm:fillClrLst>
+    <dgm:linClrLst meth="repeat">
+      <a:schemeClr val="accent1"/>
+    </dgm:linClrLst>
+    <dgm:effectClrLst/>
+    <dgm:txLinClrLst/>
+    <dgm:txFillClrLst/>
+    <dgm:txEffectClrLst/>
+  </dgm:styleLbl>
+  <dgm:styleLbl name="node1">
+    <dgm:fillClrLst meth="repeat">
+      <a:schemeClr val="accent1"/>
+    </dgm:fillClrLst>
+    <dgm:linClrLst meth="repeat">
+      <a:schemeClr val="lt1"/>
+    </dgm:linClrLst>
+    <dgm:effectClrLst/>
+    <dgm:txLinClrLst/>
+    <dgm:txFillClrLst/>
+    <dgm:txEffectClrLst/>
+  </dgm:styleLbl>
+  <dgm:styleLbl name="lnNode1">
+    <dgm:fillClrLst meth="repeat">
+      <a:schemeClr val="accent1"/>
+    </dgm:fillClrLst>
+    <dgm:linClrLst meth="repeat">
+      <a:schemeClr val="lt1"/>
+    </dgm:linClrLst>
+    <dgm:effectClrLst/>
+    <dgm:txLinClrLst/>
+    <dgm:txFillClrLst/>
+    <dgm:txEffectClrLst/>
+  </dgm:styleLbl>
+  <dgm:styleLbl name="vennNode1">
+    <dgm:fillClrLst meth="repeat">
+      <a:schemeClr val="accent1">
+        <a:alpha val="50000"/>
+      </a:schemeClr>
+    </dgm:fillClrLst>
+    <dgm:linClrLst meth="repeat">
+      <a:schemeClr val="lt1"/>
+    </dgm:linClrLst>
+    <dgm:effectClrLst/>
+    <dgm:txLinClrLst/>
+    <dgm:txFillClrLst/>
+    <dgm:txEffectClrLst/>
+  </dgm:styleLbl>
+  <dgm:styleLbl name="node2">
+    <dgm:fillClrLst meth="repeat">
+      <a:schemeClr val="accent1"/>
+    </dgm:fillClrLst>
+    <dgm:linClrLst meth="repeat">
+      <a:schemeClr val="lt1"/>
+    </dgm:linClrLst>
+    <dgm:effectClrLst/>
+    <dgm:txLinClrLst/>
+    <dgm:txFillClrLst/>
+    <dgm:txEffectClrLst/>
+  </dgm:styleLbl>
+  <dgm:styleLbl name="node3">
+    <dgm:fillClrLst meth="repeat">
+      <a:schemeClr val="accent1"/>
+    </dgm:fillClrLst>
+    <dgm:linClrLst meth="repeat">
+      <a:schemeClr val="lt1"/>
+    </dgm:linClrLst>
+    <dgm:effectClrLst/>
+    <dgm:txLinClrLst/>
+    <dgm:txFillClrLst/>
+    <dgm:txEffectClrLst/>
+  </dgm:styleLbl>
+  <dgm:styleLbl name="node4">
+    <dgm:fillClrLst meth="repeat">
+      <a:schemeClr val="accent1"/>
+    </dgm:fillClrLst>
+    <dgm:linClrLst meth="repeat">
+      <a:schemeClr val="lt1"/>
+    </dgm:linClrLst>
+    <dgm:effectClrLst/>
+    <dgm:txLinClrLst/>
+    <dgm:txFillClrLst/>
+    <dgm:txEffectClrLst/>
+  </dgm:styleLbl>
+  <dgm:styleLbl name="fgImgPlace1">
+    <dgm:fillClrLst meth="repeat">
+      <a:schemeClr val="accent1">
+        <a:tint val="50000"/>
+      </a:schemeClr>
+    </dgm:fillClrLst>
+    <dgm:linClrLst meth="repeat">
+      <a:schemeClr val="lt1"/>
+    </dgm:linClrLst>
+    <dgm:effectClrLst/>
+    <dgm:txLinClrLst/>
+    <dgm:txFillClrLst meth="repeat">
+      <a:schemeClr val="lt1"/>
+    </dgm:txFillClrLst>
+    <dgm:txEffectClrLst/>
+  </dgm:styleLbl>
+  <dgm:styleLbl name="alignImgPlace1">
+    <dgm:fillClrLst meth="repeat">
+      <a:schemeClr val="accent1">
+        <a:tint val="50000"/>
+      </a:schemeClr>
+    </dgm:fillClrLst>
+    <dgm:linClrLst meth="repeat">
+      <a:schemeClr val="lt1"/>
+    </dgm:linClrLst>
+    <dgm:effectClrLst/>
+    <dgm:txLinClrLst/>
+    <dgm:txFillClrLst meth="repeat">
+      <a:schemeClr val="lt1"/>
+    </dgm:txFillClrLst>
+    <dgm:txEffectClrLst/>
+  </dgm:styleLbl>
+  <dgm:styleLbl name="bgImgPlace1">
+    <dgm:fillClrLst meth="repeat">
+      <a:schemeClr val="accent1">
+        <a:tint val="50000"/>
+      </a:schemeClr>
+    </dgm:fillClrLst>
+    <dgm:linClrLst meth="repeat">
+      <a:schemeClr val="lt1"/>
+    </dgm:linClrLst>
+    <dgm:effectClrLst/>
+    <dgm:txLinClrLst/>
+    <dgm:txFillClrLst meth="repeat">
+      <a:schemeClr val="lt1"/>
+    </dgm:txFillClrLst>
+    <dgm:txEffectClrLst/>
+  </dgm:styleLbl>
+  <dgm:styleLbl name="sibTrans2D1">
+    <dgm:fillClrLst meth="repeat">
+      <a:schemeClr val="accent1">
+        <a:tint val="60000"/>
+      </a:schemeClr>
+    </dgm:fillClrLst>
+    <dgm:linClrLst meth="repeat">
+      <a:schemeClr val="accent1">
+        <a:tint val="60000"/>
+      </a:schemeClr>
+    </dgm:linClrLst>
+    <dgm:effectClrLst/>
+    <dgm:txLinClrLst/>
+    <dgm:txFillClrLst/>
+    <dgm:txEffectClrLst/>
+  </dgm:styleLbl>
+  <dgm:styleLbl name="fgSibTrans2D1">
+    <dgm:fillClrLst meth="repeat">
+      <a:schemeClr val="accent1">
+        <a:tint val="60000"/>
+      </a:schemeClr>
+    </dgm:fillClrLst>
+    <dgm:linClrLst meth="repeat">
+      <a:schemeClr val="accent1">
+        <a:tint val="60000"/>
+      </a:schemeClr>
+    </dgm:linClrLst>
+    <dgm:effectClrLst/>
+    <dgm:txLinClrLst/>
+    <dgm:txFillClrLst/>
+    <dgm:txEffectClrLst/>
+  </dgm:styleLbl>
+  <dgm:styleLbl name="bgSibTrans2D1">
+    <dgm:fillClrLst meth="repeat">
+      <a:schemeClr val="accent1">
+        <a:tint val="60000"/>
+      </a:schemeClr>
+    </dgm:fillClrLst>
+    <dgm:linClrLst meth="repeat">
+      <a:schemeClr val="accent1">
+        <a:tint val="60000"/>
+      </a:schemeClr>
+    </dgm:linClrLst>
+    <dgm:effectClrLst/>
+    <dgm:txLinClrLst/>
+    <dgm:txFillClrLst/>
+    <dgm:txEffectClrLst/>
+  </dgm:styleLbl>
+  <dgm:styleLbl name="sibTrans1D1">
+    <dgm:fillClrLst meth="repeat">
+      <a:schemeClr val="accent1"/>
+    </dgm:fillClrLst>
+    <dgm:linClrLst meth="repeat">
+      <a:schemeClr val="accent1"/>
+    </dgm:linClrLst>
+    <dgm:effectClrLst/>
+    <dgm:txLinClrLst/>
+    <dgm:txFillClrLst meth="repeat">
+      <a:schemeClr val="tx1"/>
+    </dgm:txFillClrLst>
+    <dgm:txEffectClrLst/>
+  </dgm:styleLbl>
+  <dgm:styleLbl name="callout">
+    <dgm:fillClrLst meth="repeat">
+      <a:schemeClr val="accent1"/>
+    </dgm:fillClrLst>
+    <dgm:linClrLst meth="repeat">
+      <a:schemeClr val="accent1">
+        <a:tint val="50000"/>
+      </a:schemeClr>
+    </dgm:linClrLst>
+    <dgm:effectClrLst/>
+    <dgm:txLinClrLst/>
+    <dgm:txFillClrLst meth="repeat">
+      <a:schemeClr val="tx1"/>
+    </dgm:txFillClrLst>
+    <dgm:txEffectClrLst/>
+  </dgm:styleLbl>
+  <dgm:styleLbl name="asst0">
+    <dgm:fillClrLst meth="repeat">
+      <a:schemeClr val="accent1"/>
+    </dgm:fillClrLst>
+    <dgm:linClrLst meth="repeat">
+      <a:schemeClr val="lt1"/>
+    </dgm:linClrLst>
+    <dgm:effectClrLst/>
+    <dgm:txLinClrLst/>
+    <dgm:txFillClrLst/>
+    <dgm:txEffectClrLst/>
+  </dgm:styleLbl>
+  <dgm:styleLbl name="asst1">
+    <dgm:fillClrLst meth="repeat">
+      <a:schemeClr val="accent1"/>
+    </dgm:fillClrLst>
+    <dgm:linClrLst meth="repeat">
+      <a:schemeClr val="lt1"/>
+    </dgm:linClrLst>
+    <dgm:effectClrLst/>
+    <dgm:txLinClrLst/>
+    <dgm:txFillClrLst/>
+    <dgm:txEffectClrLst/>
+  </dgm:styleLbl>
+  <dgm:styleLbl name="asst2">
+    <dgm:fillClrLst meth="repeat">
+      <a:schemeClr val="accent1"/>
+    </dgm:fillClrLst>
+    <dgm:linClrLst meth="repeat">
+      <a:schemeClr val="lt1"/>
+    </dgm:linClrLst>
+    <dgm:effectClrLst/>
+    <dgm:txLinClrLst/>
+    <dgm:txFillClrLst/>
+    <dgm:txEffectClrLst/>
+  </dgm:styleLbl>
+  <dgm:styleLbl name="asst3">
+    <dgm:fillClrLst meth="repeat">
+      <a:schemeClr val="accent1"/>
+    </dgm:fillClrLst>
+    <dgm:linClrLst meth="repeat">
+      <a:schemeClr val="lt1"/>
+    </dgm:linClrLst>
+    <dgm:effectClrLst/>
+    <dgm:txLinClrLst/>
+    <dgm:txFillClrLst/>
+    <dgm:txEffectClrLst/>
+  </dgm:styleLbl>
+  <dgm:styleLbl name="asst4">
+    <dgm:fillClrLst meth="repeat">
+      <a:schemeClr val="accent1"/>
+    </dgm:fillClrLst>
+    <dgm:linClrLst meth="repeat">
+      <a:schemeClr val="lt1"/>
+    </dgm:linClrLst>
+    <dgm:effectClrLst/>
+    <dgm:txLinClrLst/>
+    <dgm:txFillClrLst/>
+    <dgm:txEffectClrLst/>
+  </dgm:styleLbl>
+  <dgm:styleLbl name="parChTrans2D1">
+    <dgm:fillClrLst meth="repeat">
+      <a:schemeClr val="accent1">
+        <a:tint val="60000"/>
+      </a:schemeClr>
+    </dgm:fillClrLst>
+    <dgm:linClrLst meth="repeat">
+      <a:schemeClr val="accent1">
+        <a:tint val="60000"/>
+      </a:schemeClr>
+    </dgm:linClrLst>
+    <dgm:effectClrLst/>
+    <dgm:txLinClrLst/>
+    <dgm:txFillClrLst meth="repeat">
+      <a:schemeClr val="lt1"/>
+    </dgm:txFillClrLst>
+    <dgm:txEffectClrLst/>
+  </dgm:styleLbl>
+  <dgm:styleLbl name="parChTrans2D2">
+    <dgm:fillClrLst meth="repeat">
+      <a:schemeClr val="accent1"/>
+    </dgm:fillClrLst>
+    <dgm:linClrLst meth="repeat">
+      <a:schemeClr val="accent1"/>
+    </dgm:linClrLst>
+    <dgm:effectClrLst/>
+    <dgm:txLinClrLst/>
+    <dgm:txFillClrLst meth="repeat">
+      <a:schemeClr val="lt1"/>
+    </dgm:txFillClrLst>
+    <dgm:txEffectClrLst/>
+  </dgm:styleLbl>
+  <dgm:styleLbl name="parChTrans2D3">
+    <dgm:fillClrLst meth="repeat">
+      <a:schemeClr val="accent1"/>
+    </dgm:fillClrLst>
+    <dgm:linClrLst meth="repeat">
+      <a:schemeClr val="accent1"/>
+    </dgm:linClrLst>
+    <dgm:effectClrLst/>
+    <dgm:txLinClrLst/>
+    <dgm:txFillClrLst meth="repeat">
+      <a:schemeClr val="lt1"/>
+    </dgm:txFillClrLst>
+    <dgm:txEffectClrLst/>
+  </dgm:styleLbl>
+  <dgm:styleLbl name="parChTrans2D4">
+    <dgm:fillClrLst meth="repeat">
+      <a:schemeClr val="accent1"/>
+    </dgm:fillClrLst>
+    <dgm:linClrLst meth="repeat">
+      <a:schemeClr val="accent1"/>
+    </dgm:linClrLst>
+    <dgm:effectClrLst/>
+    <dgm:txLinClrLst/>
+    <dgm:txFillClrLst meth="repeat">
+      <a:schemeClr val="lt1"/>
+    </dgm:txFillClrLst>
+    <dgm:txEffectClrLst/>
+  </dgm:styleLbl>
+  <dgm:styleLbl name="parChTrans1D1">
+    <dgm:fillClrLst meth="repeat">
+      <a:schemeClr val="accent1"/>
+    </dgm:fillClrLst>
+    <dgm:linClrLst meth="repeat">
+      <a:schemeClr val="accent1">
+        <a:shade val="60000"/>
+      </a:schemeClr>
+    </dgm:linClrLst>
+    <dgm:effectClrLst/>
+    <dgm:txLinClrLst/>
+    <dgm:txFillClrLst meth="repeat">
+      <a:schemeClr val="tx1"/>
+    </dgm:txFillClrLst>
+    <dgm:txEffectClrLst/>
+  </dgm:styleLbl>
+  <dgm:styleLbl name="parChTrans1D2">
+    <dgm:fillClrLst meth="repeat">
+      <a:schemeClr val="accent1"/>
+    </dgm:fillClrLst>
+    <dgm:linClrLst meth="repeat">
+      <a:schemeClr val="accent1">
+        <a:shade val="60000"/>
+      </a:schemeClr>
+    </dgm:linClrLst>
+    <dgm:effectClrLst/>
+    <dgm:txLinClrLst/>
+    <dgm:txFillClrLst meth="repeat">
+      <a:schemeClr val="tx1"/>
+    </dgm:txFillClrLst>
+    <dgm:txEffectClrLst/>
+  </dgm:styleLbl>
+  <dgm:styleLbl name="parChTrans1D3">
+    <dgm:fillClrLst meth="repeat">
+      <a:schemeClr val="accent1"/>
+    </dgm:fillClrLst>
+    <dgm:linClrLst meth="repeat">
+      <a:schemeClr val="accent1">
+        <a:shade val="80000"/>
+      </a:schemeClr>
+    </dgm:linClrLst>
+    <dgm:effectClrLst/>
+    <dgm:txLinClrLst/>
+    <dgm:txFillClrLst meth="repeat">
+      <a:schemeClr val="tx1"/>
+    </dgm:txFillClrLst>
+    <dgm:txEffectClrLst/>
+  </dgm:styleLbl>
+  <dgm:styleLbl name="parChTrans1D4">
+    <dgm:fillClrLst meth="repeat">
+      <a:schemeClr val="accent1"/>
+    </dgm:fillClrLst>
+    <dgm:linClrLst meth="repeat">
+      <a:schemeClr val="accent1">
+        <a:shade val="80000"/>
+      </a:schemeClr>
+    </dgm:linClrLst>
+    <dgm:effectClrLst/>
+    <dgm:txLinClrLst/>
+    <dgm:txFillClrLst meth="repeat">
+      <a:schemeClr val="tx1"/>
+    </dgm:txFillClrLst>
+    <dgm:txEffectClrLst/>
+  </dgm:styleLbl>
+  <dgm:styleLbl name="fgAcc1">
+    <dgm:fillClrLst meth="repeat">
+      <a:schemeClr val="lt1">
+        <a:alpha val="90000"/>
+      </a:schemeClr>
+    </dgm:fillClrLst>
+    <dgm:linClrLst meth="repeat">
+      <a:schemeClr val="accent1"/>
+    </dgm:linClrLst>
+    <dgm:effectClrLst/>
+    <dgm:txLinClrLst/>
+    <dgm:txFillClrLst meth="repeat">
+      <a:schemeClr val="dk1"/>
+    </dgm:txFillClrLst>
+    <dgm:txEffectClrLst/>
+  </dgm:styleLbl>
+  <dgm:styleLbl name="conFgAcc1">
+    <dgm:fillClrLst meth="repeat">
+      <a:schemeClr val="lt1">
+        <a:alpha val="90000"/>
+      </a:schemeClr>
+    </dgm:fillClrLst>
+    <dgm:linClrLst meth="repeat">
+      <a:schemeClr val="accent1"/>
+    </dgm:linClrLst>
+    <dgm:effectClrLst/>
+    <dgm:txLinClrLst/>
+    <dgm:txFillClrLst meth="repeat">
+      <a:schemeClr val="dk1"/>
+    </dgm:txFillClrLst>
+    <dgm:txEffectClrLst/>
+  </dgm:styleLbl>
+  <dgm:styleLbl name="alignAcc1">
+    <dgm:fillClrLst meth="repeat">
+      <a:schemeClr val="lt1">
+        <a:alpha val="90000"/>
+      </a:schemeClr>
+    </dgm:fillClrLst>
+    <dgm:linClrLst meth="repeat">
+      <a:schemeClr val="accent1"/>
+    </dgm:linClrLst>
+    <dgm:effectClrLst/>
+    <dgm:txLinClrLst/>
+    <dgm:txFillClrLst meth="repeat">
+      <a:schemeClr val="dk1"/>
+    </dgm:txFillClrLst>
+    <dgm:txEffectClrLst/>
+  </dgm:styleLbl>
+  <dgm:styleLbl name="trAlignAcc1">
+    <dgm:fillClrLst meth="repeat">
+      <a:schemeClr val="lt1">
+        <a:alpha val="40000"/>
+      </a:schemeClr>
+    </dgm:fillClrLst>
+    <dgm:linClrLst meth="repeat">
+      <a:schemeClr val="accent1"/>
+    </dgm:linClrLst>
+    <dgm:effectClrLst/>
+    <dgm:txLinClrLst/>
+    <dgm:txFillClrLst meth="repeat">
+      <a:schemeClr val="dk1"/>
+    </dgm:txFillClrLst>
+    <dgm:txEffectClrLst/>
+  </dgm:styleLbl>
+  <dgm:styleLbl name="bgAcc1">
+    <dgm:fillClrLst meth="repeat">
+      <a:schemeClr val="lt1">
+        <a:alpha val="90000"/>
+      </a:schemeClr>
+    </dgm:fillClrLst>
+    <dgm:linClrLst meth="repeat">
+      <a:schemeClr val="accent1"/>
+    </dgm:linClrLst>
+    <dgm:effectClrLst/>
+    <dgm:txLinClrLst/>
+    <dgm:txFillClrLst meth="repeat">
+      <a:schemeClr val="dk1"/>
+    </dgm:txFillClrLst>
+    <dgm:txEffectClrLst/>
+  </dgm:styleLbl>
+  <dgm:styleLbl name="solidFgAcc1">
+    <dgm:fillClrLst meth="repeat">
+      <a:schemeClr val="lt1"/>
+    </dgm:fillClrLst>
+    <dgm:linClrLst meth="repeat">
+      <a:schemeClr val="accent1"/>
+    </dgm:linClrLst>
+    <dgm:effectClrLst/>
+    <dgm:txLinClrLst/>
+    <dgm:txFillClrLst meth="repeat">
+      <a:schemeClr val="dk1"/>
+    </dgm:txFillClrLst>
+    <dgm:txEffectClrLst/>
+  </dgm:styleLbl>
+  <dgm:styleLbl name="solidAlignAcc1">
+    <dgm:fillClrLst meth="repeat">
+      <a:schemeClr val="lt1"/>
+    </dgm:fillClrLst>
+    <dgm:linClrLst meth="repeat">
+      <a:schemeClr val="accent1"/>
+    </dgm:linClrLst>
+    <dgm:effectClrLst/>
+    <dgm:txLinClrLst/>
+    <dgm:txFillClrLst meth="repeat">
+      <a:schemeClr val="dk1"/>
+    </dgm:txFillClrLst>
+    <dgm:txEffectClrLst/>
+  </dgm:styleLbl>
+  <dgm:styleLbl name="solidBgAcc1">
+    <dgm:fillClrLst meth="repeat">
+      <a:schemeClr val="lt1"/>
+    </dgm:fillClrLst>
+    <dgm:linClrLst meth="repeat">
+      <a:schemeClr val="accent1"/>
+    </dgm:linClrLst>
+    <dgm:effectClrLst/>
+    <dgm:txLinClrLst/>
+    <dgm:txFillClrLst meth="repeat">
+      <a:schemeClr val="dk1"/>
+    </dgm:txFillClrLst>
+    <dgm:txEffectClrLst/>
+  </dgm:styleLbl>
+  <dgm:styleLbl name="fgAccFollowNode1">
+    <dgm:fillClrLst meth="repeat">
+      <a:schemeClr val="accent1">
+        <a:alpha val="90000"/>
+        <a:tint val="40000"/>
+      </a:schemeClr>
+    </dgm:fillClrLst>
+    <dgm:linClrLst meth="repeat">
+      <a:schemeClr val="accent1">
+        <a:alpha val="90000"/>
+        <a:tint val="40000"/>
+      </a:schemeClr>
+    </dgm:linClrLst>
+    <dgm:effectClrLst/>
+    <dgm:txLinClrLst/>
+    <dgm:txFillClrLst meth="repeat">
+      <a:schemeClr val="dk1"/>
+    </dgm:txFillClrLst>
+    <dgm:txEffectClrLst/>
+  </dgm:styleLbl>
+  <dgm:styleLbl name="alignAccFollowNode1">
+    <dgm:fillClrLst meth="repeat">
+      <a:schemeClr val="accent1">
+        <a:alpha val="90000"/>
+        <a:tint val="40000"/>
+      </a:schemeClr>
+    </dgm:fillClrLst>
+    <dgm:linClrLst meth="repeat">
+      <a:schemeClr val="accent1">
+        <a:alpha val="90000"/>
+        <a:tint val="40000"/>
+      </a:schemeClr>
+    </dgm:linClrLst>
+    <dgm:effectClrLst/>
+    <dgm:txLinClrLst/>
+    <dgm:txFillClrLst meth="repeat">
+      <a:schemeClr val="dk1"/>
+    </dgm:txFillClrLst>
+    <dgm:txEffectClrLst/>
+  </dgm:styleLbl>
+  <dgm:styleLbl name="bgAccFollowNode1">
+    <dgm:fillClrLst meth="repeat">
+      <a:schemeClr val="accent1">
+        <a:alpha val="90000"/>
+        <a:tint val="40000"/>
+      </a:schemeClr>
+    </dgm:fillClrLst>
+    <dgm:linClrLst meth="repeat">
+      <a:schemeClr val="accent1">
+        <a:alpha val="90000"/>
+        <a:tint val="40000"/>
+      </a:schemeClr>
+    </dgm:linClrLst>
+    <dgm:effectClrLst/>
+    <dgm:txLinClrLst/>
+    <dgm:txFillClrLst meth="repeat">
+      <a:schemeClr val="dk1"/>
+    </dgm:txFillClrLst>
+    <dgm:txEffectClrLst/>
+  </dgm:styleLbl>
+  <dgm:styleLbl name="fgAcc0">
+    <dgm:fillClrLst meth="repeat">
+      <a:schemeClr val="lt1">
+        <a:alpha val="90000"/>
+      </a:schemeClr>
+    </dgm:fillClrLst>
+    <dgm:linClrLst meth="repeat">
+      <a:schemeClr val="accent1"/>
+    </dgm:linClrLst>
+    <dgm:effectClrLst/>
+    <dgm:txLinClrLst/>
+    <dgm:txFillClrLst meth="repeat">
+      <a:schemeClr val="dk1"/>
+    </dgm:txFillClrLst>
+    <dgm:txEffectClrLst/>
+  </dgm:styleLbl>
+  <dgm:styleLbl name="fgAcc2">
+    <dgm:fillClrLst meth="repeat">
+      <a:schemeClr val="lt1">
+        <a:alpha val="90000"/>
+      </a:schemeClr>
+    </dgm:fillClrLst>
+    <dgm:linClrLst meth="repeat">
+      <a:schemeClr val="accent1"/>
+    </dgm:linClrLst>
+    <dgm:effectClrLst/>
+    <dgm:txLinClrLst/>
+    <dgm:txFillClrLst meth="repeat">
+      <a:schemeClr val="dk1"/>
+    </dgm:txFillClrLst>
+    <dgm:txEffectClrLst/>
+  </dgm:styleLbl>
+  <dgm:styleLbl name="fgAcc3">
+    <dgm:fillClrLst meth="repeat">
+      <a:schemeClr val="lt1">
+        <a:alpha val="90000"/>
+      </a:schemeClr>
+    </dgm:fillClrLst>
+    <dgm:linClrLst meth="repeat">
+      <a:schemeClr val="accent1"/>
+    </dgm:linClrLst>
+    <dgm:effectClrLst/>
+    <dgm:txLinClrLst/>
+    <dgm:txFillClrLst meth="repeat">
+      <a:schemeClr val="dk1"/>
+    </dgm:txFillClrLst>
+    <dgm:txEffectClrLst/>
+  </dgm:styleLbl>
+  <dgm:styleLbl name="fgAcc4">
+    <dgm:fillClrLst meth="repeat">
+      <a:schemeClr val="lt1">
+        <a:alpha val="90000"/>
+      </a:schemeClr>
+    </dgm:fillClrLst>
+    <dgm:linClrLst meth="repeat">
+      <a:schemeClr val="accent1"/>
+    </dgm:linClrLst>
+    <dgm:effectClrLst/>
+    <dgm:txLinClrLst/>
+    <dgm:txFillClrLst meth="repeat">
+      <a:schemeClr val="dk1"/>
+    </dgm:txFillClrLst>
+    <dgm:txEffectClrLst/>
+  </dgm:styleLbl>
+  <dgm:styleLbl name="bgShp">
+    <dgm:fillClrLst meth="repeat">
+      <a:schemeClr val="accent1">
+        <a:tint val="40000"/>
+      </a:schemeClr>
+    </dgm:fillClrLst>
+    <dgm:linClrLst meth="repeat">
+      <a:schemeClr val="accent1"/>
+    </dgm:linClrLst>
+    <dgm:effectClrLst/>
+    <dgm:txLinClrLst/>
+    <dgm:txFillClrLst meth="repeat">
+      <a:schemeClr val="dk1"/>
+    </dgm:txFillClrLst>
+    <dgm:txEffectClrLst/>
+  </dgm:styleLbl>
+  <dgm:styleLbl name="dkBgShp">
+    <dgm:fillClrLst meth="repeat">
+      <a:schemeClr val="accent1">
+        <a:shade val="80000"/>
+      </a:schemeClr>
+    </dgm:fillClrLst>
+    <dgm:linClrLst meth="repeat">
+      <a:schemeClr val="accent1"/>
+    </dgm:linClrLst>
+    <dgm:effectClrLst/>
+    <dgm:txLinClrLst/>
+    <dgm:txFillClrLst meth="repeat">
+      <a:schemeClr val="lt1"/>
+    </dgm:txFillClrLst>
+    <dgm:txEffectClrLst/>
+  </dgm:styleLbl>
+  <dgm:styleLbl name="trBgShp">
+    <dgm:fillClrLst meth="repeat">
+      <a:schemeClr val="accent1">
+        <a:tint val="50000"/>
+        <a:alpha val="40000"/>
+      </a:schemeClr>
+    </dgm:fillClrLst>
+    <dgm:linClrLst meth="repeat">
+      <a:schemeClr val="accent1"/>
+    </dgm:linClrLst>
+    <dgm:effectClrLst/>
+    <dgm:txLinClrLst/>
+    <dgm:txFillClrLst meth="repeat">
+      <a:schemeClr val="lt1"/>
+    </dgm:txFillClrLst>
+    <dgm:txEffectClrLst/>
+  </dgm:styleLbl>
+  <dgm:styleLbl name="fgShp">
+    <dgm:fillClrLst meth="repeat">
+      <a:schemeClr val="accent1">
+        <a:tint val="60000"/>
+      </a:schemeClr>
+    </dgm:fillClrLst>
+    <dgm:linClrLst meth="repeat">
+      <a:schemeClr val="lt1"/>
+    </dgm:linClrLst>
+    <dgm:effectClrLst/>
+    <dgm:txLinClrLst/>
+    <dgm:txFillClrLst meth="repeat">
+      <a:schemeClr val="dk1"/>
+    </dgm:txFillClrLst>
+    <dgm:txEffectClrLst/>
+  </dgm:styleLbl>
+  <dgm:styleLbl name="revTx">
+    <dgm:fillClrLst meth="repeat">
+      <a:schemeClr val="lt1">
+        <a:alpha val="0"/>
+      </a:schemeClr>
+    </dgm:fillClrLst>
+    <dgm:linClrLst meth="repeat">
+      <a:schemeClr val="dk1">
+        <a:alpha val="0"/>
+      </a:schemeClr>
+    </dgm:linClrLst>
+    <dgm:effectClrLst/>
+    <dgm:txLinClrLst/>
+    <dgm:txFillClrLst meth="repeat">
+      <a:schemeClr val="tx1"/>
+    </dgm:txFillClrLst>
+    <dgm:txEffectClrLst/>
+  </dgm:styleLbl>
+</dgm:colorsDef>
+</file>
+
+<file path=ppt/diagrams/colors9.xml><?xml version="1.0" encoding="utf-8"?>
 <dgm:colorsDef xmlns:dgm="http://schemas.openxmlformats.org/drawingml/2006/diagram" xmlns:a="http://schemas.openxmlformats.org/drawingml/2006/main" uniqueId="urn:microsoft.com/office/officeart/2005/8/colors/accent1_2">
   <dgm:title val=""/>
   <dgm:desc val=""/>
@@ -12587,6 +14274,275 @@
 </file>
 
 <file path=ppt/diagrams/data8.xml><?xml version="1.0" encoding="utf-8"?>
+<dgm:dataModel xmlns:dgm="http://schemas.openxmlformats.org/drawingml/2006/diagram" xmlns:a="http://schemas.openxmlformats.org/drawingml/2006/main">
+  <dgm:ptLst>
+    <dgm:pt modelId="{081E9F30-FB5C-46C5-A16F-0CB60CF8F4B6}" type="doc">
+      <dgm:prSet loTypeId="urn:microsoft.com/office/officeart/2005/8/layout/hChevron3" loCatId="process" qsTypeId="urn:microsoft.com/office/officeart/2005/8/quickstyle/simple1" qsCatId="simple" csTypeId="urn:microsoft.com/office/officeart/2005/8/colors/accent1_2" csCatId="accent1" phldr="1"/>
+      <dgm:spPr/>
+    </dgm:pt>
+    <dgm:pt modelId="{97D9324F-7638-45FB-849F-84B1867BB953}">
+      <dgm:prSet phldrT="[Testo]"/>
+      <dgm:spPr>
+        <a:solidFill>
+          <a:srgbClr val="FFD200"/>
+        </a:solidFill>
+      </dgm:spPr>
+      <dgm:t>
+        <a:bodyPr/>
+        <a:lstStyle/>
+        <a:p>
+          <a:r>
+            <a:rPr lang="it-IT" dirty="0">
+              <a:solidFill>
+                <a:srgbClr val="1C5F4A"/>
+              </a:solidFill>
+              <a:latin typeface="Futura BT" panose="020B0702020204020204" pitchFamily="34" charset="0"/>
+            </a:rPr>
+            <a:t>01</a:t>
+          </a:r>
+        </a:p>
+      </dgm:t>
+    </dgm:pt>
+    <dgm:pt modelId="{A0F131DF-90B2-431E-A006-2F5420CEA070}" type="parTrans" cxnId="{E042313F-CF85-4E19-B258-AE9A3FF8673A}">
+      <dgm:prSet/>
+      <dgm:spPr/>
+      <dgm:t>
+        <a:bodyPr/>
+        <a:lstStyle/>
+        <a:p>
+          <a:endParaRPr lang="it-IT"/>
+        </a:p>
+      </dgm:t>
+    </dgm:pt>
+    <dgm:pt modelId="{9F87AF5D-583F-4448-952B-958281EC17C1}" type="sibTrans" cxnId="{E042313F-CF85-4E19-B258-AE9A3FF8673A}">
+      <dgm:prSet/>
+      <dgm:spPr/>
+      <dgm:t>
+        <a:bodyPr/>
+        <a:lstStyle/>
+        <a:p>
+          <a:endParaRPr lang="it-IT"/>
+        </a:p>
+      </dgm:t>
+    </dgm:pt>
+    <dgm:pt modelId="{BC34B822-D509-472F-8990-0845BA0E775F}">
+      <dgm:prSet phldrT="[Testo]"/>
+      <dgm:spPr>
+        <a:solidFill>
+          <a:srgbClr val="1C5F4A"/>
+        </a:solidFill>
+      </dgm:spPr>
+      <dgm:t>
+        <a:bodyPr/>
+        <a:lstStyle/>
+        <a:p>
+          <a:r>
+            <a:rPr lang="it-IT" dirty="0">
+              <a:solidFill>
+                <a:schemeClr val="tx1"/>
+              </a:solidFill>
+              <a:latin typeface="Futura BT" panose="020B0702020204020204" pitchFamily="34" charset="0"/>
+            </a:rPr>
+            <a:t>02</a:t>
+          </a:r>
+        </a:p>
+      </dgm:t>
+    </dgm:pt>
+    <dgm:pt modelId="{08CDCE6F-8617-4477-9D1A-ADAD28F85132}" type="parTrans" cxnId="{5DB744A7-F0F8-4AA1-978A-480B7AAA13F6}">
+      <dgm:prSet/>
+      <dgm:spPr/>
+      <dgm:t>
+        <a:bodyPr/>
+        <a:lstStyle/>
+        <a:p>
+          <a:endParaRPr lang="it-IT"/>
+        </a:p>
+      </dgm:t>
+    </dgm:pt>
+    <dgm:pt modelId="{56F5434F-3DD3-4F46-889D-BCB081322006}" type="sibTrans" cxnId="{5DB744A7-F0F8-4AA1-978A-480B7AAA13F6}">
+      <dgm:prSet/>
+      <dgm:spPr/>
+      <dgm:t>
+        <a:bodyPr/>
+        <a:lstStyle/>
+        <a:p>
+          <a:endParaRPr lang="it-IT"/>
+        </a:p>
+      </dgm:t>
+    </dgm:pt>
+    <dgm:pt modelId="{14A631E6-9CD8-4B6F-AB83-BD282E019B2D}">
+      <dgm:prSet phldrT="[Testo]"/>
+      <dgm:spPr>
+        <a:solidFill>
+          <a:srgbClr val="1C5F4A"/>
+        </a:solidFill>
+      </dgm:spPr>
+      <dgm:t>
+        <a:bodyPr/>
+        <a:lstStyle/>
+        <a:p>
+          <a:r>
+            <a:rPr lang="it-IT" dirty="0">
+              <a:latin typeface="Futura BT" panose="020B0702020204020204" pitchFamily="34" charset="0"/>
+            </a:rPr>
+            <a:t>03</a:t>
+          </a:r>
+        </a:p>
+      </dgm:t>
+    </dgm:pt>
+    <dgm:pt modelId="{DF499AC1-F1FD-479F-B6CE-FA2277378492}" type="parTrans" cxnId="{D13E4030-9CCB-4DF7-AE6C-A8A35E28F3E0}">
+      <dgm:prSet/>
+      <dgm:spPr/>
+      <dgm:t>
+        <a:bodyPr/>
+        <a:lstStyle/>
+        <a:p>
+          <a:endParaRPr lang="it-IT"/>
+        </a:p>
+      </dgm:t>
+    </dgm:pt>
+    <dgm:pt modelId="{67951029-983C-458D-A44D-A8F7141B0CB3}" type="sibTrans" cxnId="{D13E4030-9CCB-4DF7-AE6C-A8A35E28F3E0}">
+      <dgm:prSet/>
+      <dgm:spPr/>
+      <dgm:t>
+        <a:bodyPr/>
+        <a:lstStyle/>
+        <a:p>
+          <a:endParaRPr lang="it-IT"/>
+        </a:p>
+      </dgm:t>
+    </dgm:pt>
+    <dgm:pt modelId="{F269E2C2-AC0F-4101-8C38-1CDC84AB7A0C}">
+      <dgm:prSet/>
+      <dgm:spPr>
+        <a:solidFill>
+          <a:srgbClr val="1C5F4A"/>
+        </a:solidFill>
+      </dgm:spPr>
+      <dgm:t>
+        <a:bodyPr/>
+        <a:lstStyle/>
+        <a:p>
+          <a:r>
+            <a:rPr lang="it-IT" dirty="0">
+              <a:latin typeface="Futura BT" panose="020B0702020204020204" pitchFamily="34" charset="0"/>
+            </a:rPr>
+            <a:t>04</a:t>
+          </a:r>
+        </a:p>
+      </dgm:t>
+    </dgm:pt>
+    <dgm:pt modelId="{2A99919C-EF76-427F-BF57-756B8756B8A6}" type="parTrans" cxnId="{2D563143-8922-411C-B923-BE81377DD48A}">
+      <dgm:prSet/>
+      <dgm:spPr/>
+      <dgm:t>
+        <a:bodyPr/>
+        <a:lstStyle/>
+        <a:p>
+          <a:endParaRPr lang="it-IT"/>
+        </a:p>
+      </dgm:t>
+    </dgm:pt>
+    <dgm:pt modelId="{47EFABC7-7EBB-42D1-B102-7BFBD16DC380}" type="sibTrans" cxnId="{2D563143-8922-411C-B923-BE81377DD48A}">
+      <dgm:prSet/>
+      <dgm:spPr/>
+      <dgm:t>
+        <a:bodyPr/>
+        <a:lstStyle/>
+        <a:p>
+          <a:endParaRPr lang="it-IT"/>
+        </a:p>
+      </dgm:t>
+    </dgm:pt>
+    <dgm:pt modelId="{E9FCE4B4-502D-48E6-A8FA-B26B486CAE96}" type="pres">
+      <dgm:prSet presAssocID="{081E9F30-FB5C-46C5-A16F-0CB60CF8F4B6}" presName="Name0" presStyleCnt="0">
+        <dgm:presLayoutVars>
+          <dgm:dir/>
+          <dgm:resizeHandles val="exact"/>
+        </dgm:presLayoutVars>
+      </dgm:prSet>
+      <dgm:spPr/>
+    </dgm:pt>
+    <dgm:pt modelId="{AA8996E8-CB52-437E-867C-B4901626E5A3}" type="pres">
+      <dgm:prSet presAssocID="{97D9324F-7638-45FB-849F-84B1867BB953}" presName="parTxOnly" presStyleLbl="node1" presStyleIdx="0" presStyleCnt="4" custLinFactNeighborX="-10910" custLinFactNeighborY="67494">
+        <dgm:presLayoutVars>
+          <dgm:bulletEnabled val="1"/>
+        </dgm:presLayoutVars>
+      </dgm:prSet>
+      <dgm:spPr/>
+    </dgm:pt>
+    <dgm:pt modelId="{8E257680-DFA6-460F-833C-2BD1D7951F03}" type="pres">
+      <dgm:prSet presAssocID="{9F87AF5D-583F-4448-952B-958281EC17C1}" presName="parSpace" presStyleCnt="0"/>
+      <dgm:spPr/>
+    </dgm:pt>
+    <dgm:pt modelId="{14DDEA5E-E6FE-4DF5-9E58-60EF13A16EC5}" type="pres">
+      <dgm:prSet presAssocID="{BC34B822-D509-472F-8990-0845BA0E775F}" presName="parTxOnly" presStyleLbl="node1" presStyleIdx="1" presStyleCnt="4" custLinFactNeighborY="0">
+        <dgm:presLayoutVars>
+          <dgm:bulletEnabled val="1"/>
+        </dgm:presLayoutVars>
+      </dgm:prSet>
+      <dgm:spPr/>
+    </dgm:pt>
+    <dgm:pt modelId="{BF7769C7-1C96-4025-BE73-5ECD20ED6D18}" type="pres">
+      <dgm:prSet presAssocID="{56F5434F-3DD3-4F46-889D-BCB081322006}" presName="parSpace" presStyleCnt="0"/>
+      <dgm:spPr/>
+    </dgm:pt>
+    <dgm:pt modelId="{3BFE8894-43DB-48B8-A1BC-C2BCCA9DA46C}" type="pres">
+      <dgm:prSet presAssocID="{14A631E6-9CD8-4B6F-AB83-BD282E019B2D}" presName="parTxOnly" presStyleLbl="node1" presStyleIdx="2" presStyleCnt="4" custLinFactNeighborY="97492">
+        <dgm:presLayoutVars>
+          <dgm:bulletEnabled val="1"/>
+        </dgm:presLayoutVars>
+      </dgm:prSet>
+      <dgm:spPr/>
+    </dgm:pt>
+    <dgm:pt modelId="{5A754BEE-B822-4B46-AD8D-4DAD9B735AF0}" type="pres">
+      <dgm:prSet presAssocID="{67951029-983C-458D-A44D-A8F7141B0CB3}" presName="parSpace" presStyleCnt="0"/>
+      <dgm:spPr/>
+    </dgm:pt>
+    <dgm:pt modelId="{342308E9-6FDA-4DC7-9174-BAAA0C7439ED}" type="pres">
+      <dgm:prSet presAssocID="{F269E2C2-AC0F-4101-8C38-1CDC84AB7A0C}" presName="parTxOnly" presStyleLbl="node1" presStyleIdx="3" presStyleCnt="4">
+        <dgm:presLayoutVars>
+          <dgm:bulletEnabled val="1"/>
+        </dgm:presLayoutVars>
+      </dgm:prSet>
+      <dgm:spPr/>
+    </dgm:pt>
+  </dgm:ptLst>
+  <dgm:cxnLst>
+    <dgm:cxn modelId="{D13E4030-9CCB-4DF7-AE6C-A8A35E28F3E0}" srcId="{081E9F30-FB5C-46C5-A16F-0CB60CF8F4B6}" destId="{14A631E6-9CD8-4B6F-AB83-BD282E019B2D}" srcOrd="2" destOrd="0" parTransId="{DF499AC1-F1FD-479F-B6CE-FA2277378492}" sibTransId="{67951029-983C-458D-A44D-A8F7141B0CB3}"/>
+    <dgm:cxn modelId="{86943737-651F-4FE7-84A5-BC0C3893817D}" type="presOf" srcId="{F269E2C2-AC0F-4101-8C38-1CDC84AB7A0C}" destId="{342308E9-6FDA-4DC7-9174-BAAA0C7439ED}" srcOrd="0" destOrd="0" presId="urn:microsoft.com/office/officeart/2005/8/layout/hChevron3"/>
+    <dgm:cxn modelId="{E042313F-CF85-4E19-B258-AE9A3FF8673A}" srcId="{081E9F30-FB5C-46C5-A16F-0CB60CF8F4B6}" destId="{97D9324F-7638-45FB-849F-84B1867BB953}" srcOrd="0" destOrd="0" parTransId="{A0F131DF-90B2-431E-A006-2F5420CEA070}" sibTransId="{9F87AF5D-583F-4448-952B-958281EC17C1}"/>
+    <dgm:cxn modelId="{3EFEF642-5D2D-4DDD-92DC-164111427C83}" type="presOf" srcId="{14A631E6-9CD8-4B6F-AB83-BD282E019B2D}" destId="{3BFE8894-43DB-48B8-A1BC-C2BCCA9DA46C}" srcOrd="0" destOrd="0" presId="urn:microsoft.com/office/officeart/2005/8/layout/hChevron3"/>
+    <dgm:cxn modelId="{2D563143-8922-411C-B923-BE81377DD48A}" srcId="{081E9F30-FB5C-46C5-A16F-0CB60CF8F4B6}" destId="{F269E2C2-AC0F-4101-8C38-1CDC84AB7A0C}" srcOrd="3" destOrd="0" parTransId="{2A99919C-EF76-427F-BF57-756B8756B8A6}" sibTransId="{47EFABC7-7EBB-42D1-B102-7BFBD16DC380}"/>
+    <dgm:cxn modelId="{5DB744A7-F0F8-4AA1-978A-480B7AAA13F6}" srcId="{081E9F30-FB5C-46C5-A16F-0CB60CF8F4B6}" destId="{BC34B822-D509-472F-8990-0845BA0E775F}" srcOrd="1" destOrd="0" parTransId="{08CDCE6F-8617-4477-9D1A-ADAD28F85132}" sibTransId="{56F5434F-3DD3-4F46-889D-BCB081322006}"/>
+    <dgm:cxn modelId="{9245C6AB-6F46-49A3-9CD4-B929026329FD}" type="presOf" srcId="{97D9324F-7638-45FB-849F-84B1867BB953}" destId="{AA8996E8-CB52-437E-867C-B4901626E5A3}" srcOrd="0" destOrd="0" presId="urn:microsoft.com/office/officeart/2005/8/layout/hChevron3"/>
+    <dgm:cxn modelId="{495666D1-6635-46B4-A221-DC240F4C32E2}" type="presOf" srcId="{BC34B822-D509-472F-8990-0845BA0E775F}" destId="{14DDEA5E-E6FE-4DF5-9E58-60EF13A16EC5}" srcOrd="0" destOrd="0" presId="urn:microsoft.com/office/officeart/2005/8/layout/hChevron3"/>
+    <dgm:cxn modelId="{EA7119D5-50A7-4A51-A265-DA70C537CD92}" type="presOf" srcId="{081E9F30-FB5C-46C5-A16F-0CB60CF8F4B6}" destId="{E9FCE4B4-502D-48E6-A8FA-B26B486CAE96}" srcOrd="0" destOrd="0" presId="urn:microsoft.com/office/officeart/2005/8/layout/hChevron3"/>
+    <dgm:cxn modelId="{8E7F15FE-DBB6-4C61-81B9-97D22BE4CF59}" type="presParOf" srcId="{E9FCE4B4-502D-48E6-A8FA-B26B486CAE96}" destId="{AA8996E8-CB52-437E-867C-B4901626E5A3}" srcOrd="0" destOrd="0" presId="urn:microsoft.com/office/officeart/2005/8/layout/hChevron3"/>
+    <dgm:cxn modelId="{D12A9E8D-2256-441B-BA2D-A14A209B7EF0}" type="presParOf" srcId="{E9FCE4B4-502D-48E6-A8FA-B26B486CAE96}" destId="{8E257680-DFA6-460F-833C-2BD1D7951F03}" srcOrd="1" destOrd="0" presId="urn:microsoft.com/office/officeart/2005/8/layout/hChevron3"/>
+    <dgm:cxn modelId="{2AEC640C-401C-43B9-8F2A-D48AA8B4D37C}" type="presParOf" srcId="{E9FCE4B4-502D-48E6-A8FA-B26B486CAE96}" destId="{14DDEA5E-E6FE-4DF5-9E58-60EF13A16EC5}" srcOrd="2" destOrd="0" presId="urn:microsoft.com/office/officeart/2005/8/layout/hChevron3"/>
+    <dgm:cxn modelId="{F992C78F-002C-4A92-8F07-C961D8086668}" type="presParOf" srcId="{E9FCE4B4-502D-48E6-A8FA-B26B486CAE96}" destId="{BF7769C7-1C96-4025-BE73-5ECD20ED6D18}" srcOrd="3" destOrd="0" presId="urn:microsoft.com/office/officeart/2005/8/layout/hChevron3"/>
+    <dgm:cxn modelId="{F85EFC76-2244-4949-92C6-415118A52465}" type="presParOf" srcId="{E9FCE4B4-502D-48E6-A8FA-B26B486CAE96}" destId="{3BFE8894-43DB-48B8-A1BC-C2BCCA9DA46C}" srcOrd="4" destOrd="0" presId="urn:microsoft.com/office/officeart/2005/8/layout/hChevron3"/>
+    <dgm:cxn modelId="{66E18C88-2C29-4278-9C46-59AC061C7296}" type="presParOf" srcId="{E9FCE4B4-502D-48E6-A8FA-B26B486CAE96}" destId="{5A754BEE-B822-4B46-AD8D-4DAD9B735AF0}" srcOrd="5" destOrd="0" presId="urn:microsoft.com/office/officeart/2005/8/layout/hChevron3"/>
+    <dgm:cxn modelId="{D77AB7A5-4245-4EB0-B186-502FAD2C25F9}" type="presParOf" srcId="{E9FCE4B4-502D-48E6-A8FA-B26B486CAE96}" destId="{342308E9-6FDA-4DC7-9174-BAAA0C7439ED}" srcOrd="6" destOrd="0" presId="urn:microsoft.com/office/officeart/2005/8/layout/hChevron3"/>
+  </dgm:cxnLst>
+  <dgm:bg>
+    <a:effectLst/>
+  </dgm:bg>
+  <dgm:whole>
+    <a:ln>
+      <a:noFill/>
+    </a:ln>
+  </dgm:whole>
+  <dgm:extLst>
+    <a:ext uri="http://schemas.microsoft.com/office/drawing/2008/diagram">
+      <dsp:dataModelExt xmlns:dsp="http://schemas.microsoft.com/office/drawing/2008/diagram" relId="rId6" minVer="http://schemas.openxmlformats.org/drawingml/2006/diagram"/>
+    </a:ext>
+  </dgm:extLst>
+</dgm:dataModel>
+</file>
+
+<file path=ppt/diagrams/data9.xml><?xml version="1.0" encoding="utf-8"?>
 <dgm:dataModel xmlns:dgm="http://schemas.openxmlformats.org/drawingml/2006/diagram" xmlns:a="http://schemas.openxmlformats.org/drawingml/2006/main">
   <dgm:ptLst>
     <dgm:pt modelId="{081E9F30-FB5C-46C5-A16F-0CB60CF8F4B6}" type="doc">
@@ -17543,6 +19499,324 @@
 </dsp:drawing>
 </file>
 
+<file path=ppt/diagrams/drawing9.xml><?xml version="1.0" encoding="utf-8"?>
+<dsp:drawing xmlns:dgm="http://schemas.openxmlformats.org/drawingml/2006/diagram" xmlns:dsp="http://schemas.microsoft.com/office/drawing/2008/diagram" xmlns:a="http://schemas.openxmlformats.org/drawingml/2006/main">
+  <dsp:spTree>
+    <dsp:nvGrpSpPr>
+      <dsp:cNvPr id="0" name=""/>
+      <dsp:cNvGrpSpPr/>
+    </dsp:nvGrpSpPr>
+    <dsp:grpSpPr/>
+    <dsp:sp modelId="{AA8996E8-CB52-437E-867C-B4901626E5A3}">
+      <dsp:nvSpPr>
+        <dsp:cNvPr id="0" name=""/>
+        <dsp:cNvSpPr/>
+      </dsp:nvSpPr>
+      <dsp:spPr>
+        <a:xfrm>
+          <a:off x="0" y="0"/>
+          <a:ext cx="1143953" cy="294515"/>
+        </a:xfrm>
+        <a:prstGeom prst="homePlate">
+          <a:avLst/>
+        </a:prstGeom>
+        <a:solidFill>
+          <a:srgbClr val="FFD200"/>
+        </a:solidFill>
+        <a:ln w="12700" cap="flat" cmpd="sng" algn="ctr">
+          <a:solidFill>
+            <a:schemeClr val="lt1">
+              <a:hueOff val="0"/>
+              <a:satOff val="0"/>
+              <a:lumOff val="0"/>
+              <a:alphaOff val="0"/>
+            </a:schemeClr>
+          </a:solidFill>
+          <a:prstDash val="solid"/>
+          <a:miter lim="800000"/>
+        </a:ln>
+        <a:effectLst/>
+      </dsp:spPr>
+      <dsp:style>
+        <a:lnRef idx="2">
+          <a:scrgbClr r="0" g="0" b="0"/>
+        </a:lnRef>
+        <a:fillRef idx="1">
+          <a:scrgbClr r="0" g="0" b="0"/>
+        </a:fillRef>
+        <a:effectRef idx="0">
+          <a:scrgbClr r="0" g="0" b="0"/>
+        </a:effectRef>
+        <a:fontRef idx="minor">
+          <a:schemeClr val="lt1"/>
+        </a:fontRef>
+      </dsp:style>
+      <dsp:txBody>
+        <a:bodyPr spcFirstLastPara="0" vert="horz" wrap="square" lIns="80010" tIns="40005" rIns="20003" bIns="40005" numCol="1" spcCol="1270" anchor="ctr" anchorCtr="0">
+          <a:noAutofit/>
+        </a:bodyPr>
+        <a:lstStyle/>
+        <a:p>
+          <a:pPr marL="0" lvl="0" indent="0" algn="ctr" defTabSz="666750">
+            <a:lnSpc>
+              <a:spcPct val="90000"/>
+            </a:lnSpc>
+            <a:spcBef>
+              <a:spcPct val="0"/>
+            </a:spcBef>
+            <a:spcAft>
+              <a:spcPct val="35000"/>
+            </a:spcAft>
+            <a:buNone/>
+          </a:pPr>
+          <a:r>
+            <a:rPr lang="it-IT" sz="1500" kern="1200" dirty="0">
+              <a:solidFill>
+                <a:srgbClr val="1C5F4A"/>
+              </a:solidFill>
+              <a:latin typeface="Futura BT" panose="020B0702020204020204" pitchFamily="34" charset="0"/>
+            </a:rPr>
+            <a:t>01</a:t>
+          </a:r>
+        </a:p>
+      </dsp:txBody>
+      <dsp:txXfrm>
+        <a:off x="0" y="0"/>
+        <a:ext cx="1070324" cy="294515"/>
+      </dsp:txXfrm>
+    </dsp:sp>
+    <dsp:sp modelId="{14DDEA5E-E6FE-4DF5-9E58-60EF13A16EC5}">
+      <dsp:nvSpPr>
+        <dsp:cNvPr id="0" name=""/>
+        <dsp:cNvSpPr/>
+      </dsp:nvSpPr>
+      <dsp:spPr>
+        <a:xfrm>
+          <a:off x="916302" y="0"/>
+          <a:ext cx="1143953" cy="294515"/>
+        </a:xfrm>
+        <a:prstGeom prst="chevron">
+          <a:avLst/>
+        </a:prstGeom>
+        <a:solidFill>
+          <a:srgbClr val="1C5F4A"/>
+        </a:solidFill>
+        <a:ln w="12700" cap="flat" cmpd="sng" algn="ctr">
+          <a:solidFill>
+            <a:schemeClr val="lt1">
+              <a:hueOff val="0"/>
+              <a:satOff val="0"/>
+              <a:lumOff val="0"/>
+              <a:alphaOff val="0"/>
+            </a:schemeClr>
+          </a:solidFill>
+          <a:prstDash val="solid"/>
+          <a:miter lim="800000"/>
+        </a:ln>
+        <a:effectLst/>
+      </dsp:spPr>
+      <dsp:style>
+        <a:lnRef idx="2">
+          <a:scrgbClr r="0" g="0" b="0"/>
+        </a:lnRef>
+        <a:fillRef idx="1">
+          <a:scrgbClr r="0" g="0" b="0"/>
+        </a:fillRef>
+        <a:effectRef idx="0">
+          <a:scrgbClr r="0" g="0" b="0"/>
+        </a:effectRef>
+        <a:fontRef idx="minor">
+          <a:schemeClr val="lt1"/>
+        </a:fontRef>
+      </dsp:style>
+      <dsp:txBody>
+        <a:bodyPr spcFirstLastPara="0" vert="horz" wrap="square" lIns="60008" tIns="40005" rIns="20003" bIns="40005" numCol="1" spcCol="1270" anchor="ctr" anchorCtr="0">
+          <a:noAutofit/>
+        </a:bodyPr>
+        <a:lstStyle/>
+        <a:p>
+          <a:pPr marL="0" lvl="0" indent="0" algn="ctr" defTabSz="666750">
+            <a:lnSpc>
+              <a:spcPct val="90000"/>
+            </a:lnSpc>
+            <a:spcBef>
+              <a:spcPct val="0"/>
+            </a:spcBef>
+            <a:spcAft>
+              <a:spcPct val="35000"/>
+            </a:spcAft>
+            <a:buNone/>
+          </a:pPr>
+          <a:r>
+            <a:rPr lang="it-IT" sz="1500" kern="1200" dirty="0">
+              <a:solidFill>
+                <a:schemeClr val="tx1"/>
+              </a:solidFill>
+              <a:latin typeface="Futura BT" panose="020B0702020204020204" pitchFamily="34" charset="0"/>
+            </a:rPr>
+            <a:t>02</a:t>
+          </a:r>
+        </a:p>
+      </dsp:txBody>
+      <dsp:txXfrm>
+        <a:off x="1063560" y="0"/>
+        <a:ext cx="849438" cy="294515"/>
+      </dsp:txXfrm>
+    </dsp:sp>
+    <dsp:sp modelId="{3BFE8894-43DB-48B8-A1BC-C2BCCA9DA46C}">
+      <dsp:nvSpPr>
+        <dsp:cNvPr id="0" name=""/>
+        <dsp:cNvSpPr/>
+      </dsp:nvSpPr>
+      <dsp:spPr>
+        <a:xfrm>
+          <a:off x="1831465" y="0"/>
+          <a:ext cx="1143953" cy="294515"/>
+        </a:xfrm>
+        <a:prstGeom prst="chevron">
+          <a:avLst/>
+        </a:prstGeom>
+        <a:solidFill>
+          <a:srgbClr val="1C5F4A"/>
+        </a:solidFill>
+        <a:ln w="12700" cap="flat" cmpd="sng" algn="ctr">
+          <a:solidFill>
+            <a:schemeClr val="lt1">
+              <a:hueOff val="0"/>
+              <a:satOff val="0"/>
+              <a:lumOff val="0"/>
+              <a:alphaOff val="0"/>
+            </a:schemeClr>
+          </a:solidFill>
+          <a:prstDash val="solid"/>
+          <a:miter lim="800000"/>
+        </a:ln>
+        <a:effectLst/>
+      </dsp:spPr>
+      <dsp:style>
+        <a:lnRef idx="2">
+          <a:scrgbClr r="0" g="0" b="0"/>
+        </a:lnRef>
+        <a:fillRef idx="1">
+          <a:scrgbClr r="0" g="0" b="0"/>
+        </a:fillRef>
+        <a:effectRef idx="0">
+          <a:scrgbClr r="0" g="0" b="0"/>
+        </a:effectRef>
+        <a:fontRef idx="minor">
+          <a:schemeClr val="lt1"/>
+        </a:fontRef>
+      </dsp:style>
+      <dsp:txBody>
+        <a:bodyPr spcFirstLastPara="0" vert="horz" wrap="square" lIns="60008" tIns="40005" rIns="20003" bIns="40005" numCol="1" spcCol="1270" anchor="ctr" anchorCtr="0">
+          <a:noAutofit/>
+        </a:bodyPr>
+        <a:lstStyle/>
+        <a:p>
+          <a:pPr marL="0" lvl="0" indent="0" algn="ctr" defTabSz="666750">
+            <a:lnSpc>
+              <a:spcPct val="90000"/>
+            </a:lnSpc>
+            <a:spcBef>
+              <a:spcPct val="0"/>
+            </a:spcBef>
+            <a:spcAft>
+              <a:spcPct val="35000"/>
+            </a:spcAft>
+            <a:buNone/>
+          </a:pPr>
+          <a:r>
+            <a:rPr lang="it-IT" sz="1500" kern="1200" dirty="0">
+              <a:latin typeface="Futura BT" panose="020B0702020204020204" pitchFamily="34" charset="0"/>
+            </a:rPr>
+            <a:t>03</a:t>
+          </a:r>
+        </a:p>
+      </dsp:txBody>
+      <dsp:txXfrm>
+        <a:off x="1978723" y="0"/>
+        <a:ext cx="849438" cy="294515"/>
+      </dsp:txXfrm>
+    </dsp:sp>
+    <dsp:sp modelId="{342308E9-6FDA-4DC7-9174-BAAA0C7439ED}">
+      <dsp:nvSpPr>
+        <dsp:cNvPr id="0" name=""/>
+        <dsp:cNvSpPr/>
+      </dsp:nvSpPr>
+      <dsp:spPr>
+        <a:xfrm>
+          <a:off x="2746628" y="0"/>
+          <a:ext cx="1143953" cy="294515"/>
+        </a:xfrm>
+        <a:prstGeom prst="chevron">
+          <a:avLst/>
+        </a:prstGeom>
+        <a:solidFill>
+          <a:srgbClr val="1C5F4A"/>
+        </a:solidFill>
+        <a:ln w="12700" cap="flat" cmpd="sng" algn="ctr">
+          <a:solidFill>
+            <a:schemeClr val="lt1">
+              <a:hueOff val="0"/>
+              <a:satOff val="0"/>
+              <a:lumOff val="0"/>
+              <a:alphaOff val="0"/>
+            </a:schemeClr>
+          </a:solidFill>
+          <a:prstDash val="solid"/>
+          <a:miter lim="800000"/>
+        </a:ln>
+        <a:effectLst/>
+      </dsp:spPr>
+      <dsp:style>
+        <a:lnRef idx="2">
+          <a:scrgbClr r="0" g="0" b="0"/>
+        </a:lnRef>
+        <a:fillRef idx="1">
+          <a:scrgbClr r="0" g="0" b="0"/>
+        </a:fillRef>
+        <a:effectRef idx="0">
+          <a:scrgbClr r="0" g="0" b="0"/>
+        </a:effectRef>
+        <a:fontRef idx="minor">
+          <a:schemeClr val="lt1"/>
+        </a:fontRef>
+      </dsp:style>
+      <dsp:txBody>
+        <a:bodyPr spcFirstLastPara="0" vert="horz" wrap="square" lIns="60008" tIns="40005" rIns="20003" bIns="40005" numCol="1" spcCol="1270" anchor="ctr" anchorCtr="0">
+          <a:noAutofit/>
+        </a:bodyPr>
+        <a:lstStyle/>
+        <a:p>
+          <a:pPr marL="0" lvl="0" indent="0" algn="ctr" defTabSz="666750">
+            <a:lnSpc>
+              <a:spcPct val="90000"/>
+            </a:lnSpc>
+            <a:spcBef>
+              <a:spcPct val="0"/>
+            </a:spcBef>
+            <a:spcAft>
+              <a:spcPct val="35000"/>
+            </a:spcAft>
+            <a:buNone/>
+          </a:pPr>
+          <a:r>
+            <a:rPr lang="it-IT" sz="1500" kern="1200" dirty="0">
+              <a:latin typeface="Futura BT" panose="020B0702020204020204" pitchFamily="34" charset="0"/>
+            </a:rPr>
+            <a:t>04</a:t>
+          </a:r>
+        </a:p>
+      </dsp:txBody>
+      <dsp:txXfrm>
+        <a:off x="2893886" y="0"/>
+        <a:ext cx="849438" cy="294515"/>
+      </dsp:txXfrm>
+    </dsp:sp>
+  </dsp:spTree>
+</dsp:drawing>
+</file>
+
 <file path=ppt/diagrams/layout1.xml><?xml version="1.0" encoding="utf-8"?>
 <dgm:layoutDef xmlns:dgm="http://schemas.openxmlformats.org/drawingml/2006/diagram" xmlns:a="http://schemas.openxmlformats.org/drawingml/2006/main" uniqueId="urn:microsoft.com/office/officeart/2008/layout/HorizontalMultiLevelHierarchy">
   <dgm:title val=""/>
@@ -20009,6 +22283,278 @@
 </dgm:layoutDef>
 </file>
 
+<file path=ppt/diagrams/layout9.xml><?xml version="1.0" encoding="utf-8"?>
+<dgm:layoutDef xmlns:dgm="http://schemas.openxmlformats.org/drawingml/2006/diagram" xmlns:a="http://schemas.openxmlformats.org/drawingml/2006/main" uniqueId="urn:microsoft.com/office/officeart/2005/8/layout/hChevron3">
+  <dgm:title val=""/>
+  <dgm:desc val=""/>
+  <dgm:catLst>
+    <dgm:cat type="process" pri="10000"/>
+  </dgm:catLst>
+  <dgm:sampData useDef="1">
+    <dgm:dataModel>
+      <dgm:ptLst/>
+      <dgm:bg/>
+      <dgm:whole/>
+    </dgm:dataModel>
+  </dgm:sampData>
+  <dgm:styleData>
+    <dgm:dataModel>
+      <dgm:ptLst>
+        <dgm:pt modelId="0" type="doc"/>
+        <dgm:pt modelId="1"/>
+        <dgm:pt modelId="2"/>
+      </dgm:ptLst>
+      <dgm:cxnLst>
+        <dgm:cxn modelId="3" srcId="0" destId="1" srcOrd="0" destOrd="0"/>
+        <dgm:cxn modelId="4" srcId="0" destId="2" srcOrd="1" destOrd="0"/>
+      </dgm:cxnLst>
+      <dgm:bg/>
+      <dgm:whole/>
+    </dgm:dataModel>
+  </dgm:styleData>
+  <dgm:clrData>
+    <dgm:dataModel>
+      <dgm:ptLst>
+        <dgm:pt modelId="0" type="doc"/>
+        <dgm:pt modelId="1"/>
+        <dgm:pt modelId="2"/>
+        <dgm:pt modelId="3"/>
+        <dgm:pt modelId="4"/>
+      </dgm:ptLst>
+      <dgm:cxnLst>
+        <dgm:cxn modelId="5" srcId="0" destId="1" srcOrd="0" destOrd="0"/>
+        <dgm:cxn modelId="6" srcId="0" destId="2" srcOrd="1" destOrd="0"/>
+        <dgm:cxn modelId="7" srcId="0" destId="3" srcOrd="2" destOrd="0"/>
+        <dgm:cxn modelId="8" srcId="0" destId="4" srcOrd="3" destOrd="0"/>
+      </dgm:cxnLst>
+      <dgm:bg/>
+      <dgm:whole/>
+    </dgm:dataModel>
+  </dgm:clrData>
+  <dgm:layoutNode name="Name0">
+    <dgm:varLst>
+      <dgm:dir/>
+      <dgm:resizeHandles val="exact"/>
+    </dgm:varLst>
+    <dgm:choose name="Name1">
+      <dgm:if name="Name2" func="var" arg="dir" op="equ" val="norm">
+        <dgm:alg type="lin"/>
+      </dgm:if>
+      <dgm:else name="Name3">
+        <dgm:alg type="lin">
+          <dgm:param type="linDir" val="fromR"/>
+        </dgm:alg>
+      </dgm:else>
+    </dgm:choose>
+    <dgm:shape xmlns:r="http://schemas.openxmlformats.org/officeDocument/2006/relationships" r:blip="">
+      <dgm:adjLst/>
+    </dgm:shape>
+    <dgm:presOf/>
+    <dgm:choose name="Name4">
+      <dgm:if name="Name5" axis="root des" func="maxDepth" op="gte" val="2">
+        <dgm:constrLst>
+          <dgm:constr type="w" for="ch" forName="parAndChTx" refType="w"/>
+          <dgm:constr type="primFontSz" for="ch" ptType="node" op="equ"/>
+          <dgm:constr type="w" for="ch" forName="parAndChSpace" refType="w" refFor="ch" refForName="parAndChTx" fact="-0.2"/>
+          <dgm:constr type="w" for="ch" ptType="sibTrans" op="equ"/>
+        </dgm:constrLst>
+        <dgm:ruleLst/>
+        <dgm:forEach name="Name6" axis="ch" ptType="node">
+          <dgm:layoutNode name="parAndChTx">
+            <dgm:varLst>
+              <dgm:bulletEnabled val="1"/>
+            </dgm:varLst>
+            <dgm:alg type="tx"/>
+            <dgm:choose name="Name7">
+              <dgm:if name="Name8" func="var" arg="dir" op="equ" val="norm">
+                <dgm:choose name="Name9">
+                  <dgm:if name="Name10" axis="self" ptType="node" func="pos" op="equ" val="1">
+                    <dgm:shape xmlns:r="http://schemas.openxmlformats.org/officeDocument/2006/relationships" type="homePlate" r:blip="">
+                      <dgm:adjLst>
+                        <dgm:adj idx="1" val="0.25"/>
+                      </dgm:adjLst>
+                    </dgm:shape>
+                    <dgm:presOf axis="desOrSelf" ptType="node"/>
+                    <dgm:constrLst>
+                      <dgm:constr type="h" refType="w" op="equ" fact="0.8"/>
+                      <dgm:constr type="primFontSz" val="65"/>
+                      <dgm:constr type="tMarg" refType="primFontSz" fact="0.2"/>
+                      <dgm:constr type="bMarg" refType="primFontSz" fact="0.2"/>
+                      <dgm:constr type="lMarg" refType="w" fact="0.1"/>
+                      <dgm:constr type="rMarg" refType="w" fact="0.4"/>
+                    </dgm:constrLst>
+                  </dgm:if>
+                  <dgm:else name="Name11">
+                    <dgm:shape xmlns:r="http://schemas.openxmlformats.org/officeDocument/2006/relationships" type="chevron" r:blip="">
+                      <dgm:adjLst>
+                        <dgm:adj idx="1" val="0.25"/>
+                      </dgm:adjLst>
+                    </dgm:shape>
+                    <dgm:presOf axis="desOrSelf" ptType="node"/>
+                    <dgm:constrLst>
+                      <dgm:constr type="h" refType="w" op="equ" fact="0.8"/>
+                      <dgm:constr type="primFontSz" val="65"/>
+                      <dgm:constr type="tMarg" refType="primFontSz" fact="0.2"/>
+                      <dgm:constr type="bMarg" refType="primFontSz" fact="0.2"/>
+                      <dgm:constr type="lMarg" refType="w" fact="0.1"/>
+                      <dgm:constr type="rMarg" refType="w" fact="0.1"/>
+                    </dgm:constrLst>
+                  </dgm:else>
+                </dgm:choose>
+              </dgm:if>
+              <dgm:else name="Name12">
+                <dgm:choose name="Name13">
+                  <dgm:if name="Name14" axis="self" ptType="node" func="pos" op="equ" val="1">
+                    <dgm:shape xmlns:r="http://schemas.openxmlformats.org/officeDocument/2006/relationships" rot="180" type="homePlate" r:blip="">
+                      <dgm:adjLst>
+                        <dgm:adj idx="1" val="0.25"/>
+                      </dgm:adjLst>
+                    </dgm:shape>
+                    <dgm:presOf axis="desOrSelf" ptType="node"/>
+                    <dgm:constrLst>
+                      <dgm:constr type="h" refType="w" op="equ" fact="0.8"/>
+                      <dgm:constr type="primFontSz" val="65"/>
+                      <dgm:constr type="tMarg" refType="primFontSz" fact="0.2"/>
+                      <dgm:constr type="bMarg" refType="primFontSz" fact="0.2"/>
+                      <dgm:constr type="lMarg" refType="w" fact="0.4"/>
+                      <dgm:constr type="rMarg" refType="w" fact="0.1"/>
+                    </dgm:constrLst>
+                  </dgm:if>
+                  <dgm:else name="Name15">
+                    <dgm:shape xmlns:r="http://schemas.openxmlformats.org/officeDocument/2006/relationships" rot="180" type="chevron" r:blip="">
+                      <dgm:adjLst>
+                        <dgm:adj idx="1" val="0.25"/>
+                      </dgm:adjLst>
+                    </dgm:shape>
+                    <dgm:presOf axis="desOrSelf" ptType="node"/>
+                    <dgm:constrLst>
+                      <dgm:constr type="h" refType="w" op="equ" fact="0.8"/>
+                      <dgm:constr type="primFontSz" val="65"/>
+                      <dgm:constr type="tMarg" refType="primFontSz" fact="0.2"/>
+                      <dgm:constr type="bMarg" refType="primFontSz" fact="0.2"/>
+                      <dgm:constr type="lMarg" refType="w" fact="0.1"/>
+                      <dgm:constr type="rMarg" refType="w" fact="0.1"/>
+                    </dgm:constrLst>
+                  </dgm:else>
+                </dgm:choose>
+              </dgm:else>
+            </dgm:choose>
+            <dgm:ruleLst>
+              <dgm:rule type="primFontSz" val="5" fact="NaN" max="NaN"/>
+            </dgm:ruleLst>
+          </dgm:layoutNode>
+          <dgm:forEach name="Name16" axis="followSib" ptType="sibTrans" cnt="1">
+            <dgm:layoutNode name="parAndChSpace">
+              <dgm:alg type="sp"/>
+              <dgm:shape xmlns:r="http://schemas.openxmlformats.org/officeDocument/2006/relationships" r:blip="">
+                <dgm:adjLst/>
+              </dgm:shape>
+              <dgm:presOf/>
+              <dgm:constrLst/>
+              <dgm:ruleLst/>
+            </dgm:layoutNode>
+          </dgm:forEach>
+        </dgm:forEach>
+      </dgm:if>
+      <dgm:else name="Name17">
+        <dgm:constrLst>
+          <dgm:constr type="w" for="ch" forName="parTxOnly" refType="w"/>
+          <dgm:constr type="primFontSz" for="ch" ptType="node" op="equ"/>
+          <dgm:constr type="w" for="ch" forName="parSpace" refType="w" refFor="ch" refForName="parTxOnly" fact="-0.2"/>
+          <dgm:constr type="w" for="ch" ptType="sibTrans" op="equ"/>
+        </dgm:constrLst>
+        <dgm:ruleLst/>
+        <dgm:forEach name="Name18" axis="ch" ptType="node">
+          <dgm:layoutNode name="parTxOnly">
+            <dgm:varLst>
+              <dgm:bulletEnabled val="1"/>
+            </dgm:varLst>
+            <dgm:alg type="tx"/>
+            <dgm:presOf axis="desOrSelf" ptType="node"/>
+            <dgm:choose name="Name19">
+              <dgm:if name="Name20" func="var" arg="dir" op="equ" val="norm">
+                <dgm:choose name="Name21">
+                  <dgm:if name="Name22" axis="self" ptType="node" func="pos" op="equ" val="1">
+                    <dgm:shape xmlns:r="http://schemas.openxmlformats.org/officeDocument/2006/relationships" type="homePlate" r:blip="">
+                      <dgm:adjLst/>
+                    </dgm:shape>
+                    <dgm:constrLst>
+                      <dgm:constr type="h" refType="w" op="equ" fact="0.4"/>
+                      <dgm:constr type="primFontSz" val="65"/>
+                      <dgm:constr type="tMarg" refType="primFontSz" fact="0.21"/>
+                      <dgm:constr type="bMarg" refType="primFontSz" fact="0.21"/>
+                      <dgm:constr type="lMarg" refType="primFontSz" fact="0.42"/>
+                      <dgm:constr type="rMarg" refType="primFontSz" fact="0.105"/>
+                    </dgm:constrLst>
+                  </dgm:if>
+                  <dgm:else name="Name23">
+                    <dgm:shape xmlns:r="http://schemas.openxmlformats.org/officeDocument/2006/relationships" type="chevron" r:blip="">
+                      <dgm:adjLst/>
+                    </dgm:shape>
+                    <dgm:constrLst>
+                      <dgm:constr type="h" refType="w" op="equ" fact="0.4"/>
+                      <dgm:constr type="primFontSz" val="65"/>
+                      <dgm:constr type="tMarg" refType="primFontSz" fact="0.21"/>
+                      <dgm:constr type="bMarg" refType="primFontSz" fact="0.21"/>
+                      <dgm:constr type="lMarg" refType="primFontSz" fact="0.315"/>
+                      <dgm:constr type="rMarg" refType="primFontSz" fact="0.105"/>
+                    </dgm:constrLst>
+                  </dgm:else>
+                </dgm:choose>
+              </dgm:if>
+              <dgm:else name="Name24">
+                <dgm:choose name="Name25">
+                  <dgm:if name="Name26" axis="self" ptType="node" func="pos" op="equ" val="1">
+                    <dgm:shape xmlns:r="http://schemas.openxmlformats.org/officeDocument/2006/relationships" rot="180" type="homePlate" r:blip="">
+                      <dgm:adjLst/>
+                    </dgm:shape>
+                    <dgm:constrLst>
+                      <dgm:constr type="h" refType="w" op="equ" fact="0.4"/>
+                      <dgm:constr type="primFontSz" val="65"/>
+                      <dgm:constr type="tMarg" refType="primFontSz" fact="0.21"/>
+                      <dgm:constr type="bMarg" refType="primFontSz" fact="0.21"/>
+                      <dgm:constr type="lMarg" refType="primFontSz" fact="0.105"/>
+                      <dgm:constr type="rMarg" refType="primFontSz" fact="0.42"/>
+                    </dgm:constrLst>
+                  </dgm:if>
+                  <dgm:else name="Name27">
+                    <dgm:shape xmlns:r="http://schemas.openxmlformats.org/officeDocument/2006/relationships" rot="180" type="chevron" r:blip="">
+                      <dgm:adjLst/>
+                    </dgm:shape>
+                    <dgm:constrLst>
+                      <dgm:constr type="h" refType="w" op="equ" fact="0.4"/>
+                      <dgm:constr type="primFontSz" val="65"/>
+                      <dgm:constr type="tMarg" refType="primFontSz" fact="0.21"/>
+                      <dgm:constr type="bMarg" refType="primFontSz" fact="0.21"/>
+                      <dgm:constr type="lMarg" refType="primFontSz" fact="0.105"/>
+                      <dgm:constr type="rMarg" refType="primFontSz" fact="0.315"/>
+                    </dgm:constrLst>
+                  </dgm:else>
+                </dgm:choose>
+              </dgm:else>
+            </dgm:choose>
+            <dgm:ruleLst>
+              <dgm:rule type="primFontSz" val="5" fact="NaN" max="NaN"/>
+            </dgm:ruleLst>
+          </dgm:layoutNode>
+          <dgm:forEach name="Name28" axis="followSib" ptType="sibTrans" cnt="1">
+            <dgm:layoutNode name="parSpace">
+              <dgm:alg type="sp"/>
+              <dgm:shape xmlns:r="http://schemas.openxmlformats.org/officeDocument/2006/relationships" r:blip="">
+                <dgm:adjLst/>
+              </dgm:shape>
+              <dgm:presOf/>
+              <dgm:constrLst/>
+              <dgm:ruleLst/>
+            </dgm:layoutNode>
+          </dgm:forEach>
+        </dgm:forEach>
+      </dgm:else>
+    </dgm:choose>
+  </dgm:layoutNode>
+</dgm:layoutDef>
+</file>
+
 <file path=ppt/diagrams/quickStyle1.xml><?xml version="1.0" encoding="utf-8"?>
 <dgm:styleDef xmlns:dgm="http://schemas.openxmlformats.org/drawingml/2006/diagram" xmlns:a="http://schemas.openxmlformats.org/drawingml/2006/main" uniqueId="urn:microsoft.com/office/officeart/2005/8/quickstyle/simple4">
   <dgm:title val=""/>
@@ -27248,6 +29794,1040 @@
 </file>
 
 <file path=ppt/diagrams/quickStyle8.xml><?xml version="1.0" encoding="utf-8"?>
+<dgm:styleDef xmlns:dgm="http://schemas.openxmlformats.org/drawingml/2006/diagram" xmlns:a="http://schemas.openxmlformats.org/drawingml/2006/main" uniqueId="urn:microsoft.com/office/officeart/2005/8/quickstyle/simple1">
+  <dgm:title val=""/>
+  <dgm:desc val=""/>
+  <dgm:catLst>
+    <dgm:cat type="simple" pri="10100"/>
+  </dgm:catLst>
+  <dgm:scene3d>
+    <a:camera prst="orthographicFront"/>
+    <a:lightRig rig="threePt" dir="t"/>
+  </dgm:scene3d>
+  <dgm:styleLbl name="node0">
+    <dgm:scene3d>
+      <a:camera prst="orthographicFront"/>
+      <a:lightRig rig="threePt" dir="t"/>
+    </dgm:scene3d>
+    <dgm:sp3d/>
+    <dgm:txPr/>
+    <dgm:style>
+      <a:lnRef idx="2">
+        <a:scrgbClr r="0" g="0" b="0"/>
+      </a:lnRef>
+      <a:fillRef idx="1">
+        <a:scrgbClr r="0" g="0" b="0"/>
+      </a:fillRef>
+      <a:effectRef idx="0">
+        <a:scrgbClr r="0" g="0" b="0"/>
+      </a:effectRef>
+      <a:fontRef idx="minor">
+        <a:schemeClr val="lt1"/>
+      </a:fontRef>
+    </dgm:style>
+  </dgm:styleLbl>
+  <dgm:styleLbl name="lnNode1">
+    <dgm:scene3d>
+      <a:camera prst="orthographicFront"/>
+      <a:lightRig rig="threePt" dir="t"/>
+    </dgm:scene3d>
+    <dgm:sp3d/>
+    <dgm:txPr/>
+    <dgm:style>
+      <a:lnRef idx="2">
+        <a:scrgbClr r="0" g="0" b="0"/>
+      </a:lnRef>
+      <a:fillRef idx="1">
+        <a:scrgbClr r="0" g="0" b="0"/>
+      </a:fillRef>
+      <a:effectRef idx="0">
+        <a:scrgbClr r="0" g="0" b="0"/>
+      </a:effectRef>
+      <a:fontRef idx="minor">
+        <a:schemeClr val="lt1"/>
+      </a:fontRef>
+    </dgm:style>
+  </dgm:styleLbl>
+  <dgm:styleLbl name="vennNode1">
+    <dgm:scene3d>
+      <a:camera prst="orthographicFront"/>
+      <a:lightRig rig="threePt" dir="t"/>
+    </dgm:scene3d>
+    <dgm:sp3d/>
+    <dgm:txPr/>
+    <dgm:style>
+      <a:lnRef idx="2">
+        <a:scrgbClr r="0" g="0" b="0"/>
+      </a:lnRef>
+      <a:fillRef idx="1">
+        <a:scrgbClr r="0" g="0" b="0"/>
+      </a:fillRef>
+      <a:effectRef idx="0">
+        <a:scrgbClr r="0" g="0" b="0"/>
+      </a:effectRef>
+      <a:fontRef idx="minor">
+        <a:schemeClr val="tx1"/>
+      </a:fontRef>
+    </dgm:style>
+  </dgm:styleLbl>
+  <dgm:styleLbl name="alignNode1">
+    <dgm:scene3d>
+      <a:camera prst="orthographicFront"/>
+      <a:lightRig rig="threePt" dir="t"/>
+    </dgm:scene3d>
+    <dgm:sp3d/>
+    <dgm:txPr/>
+    <dgm:style>
+      <a:lnRef idx="2">
+        <a:scrgbClr r="0" g="0" b="0"/>
+      </a:lnRef>
+      <a:fillRef idx="1">
+        <a:scrgbClr r="0" g="0" b="0"/>
+      </a:fillRef>
+      <a:effectRef idx="0">
+        <a:scrgbClr r="0" g="0" b="0"/>
+      </a:effectRef>
+      <a:fontRef idx="minor">
+        <a:schemeClr val="lt1"/>
+      </a:fontRef>
+    </dgm:style>
+  </dgm:styleLbl>
+  <dgm:styleLbl name="node1">
+    <dgm:scene3d>
+      <a:camera prst="orthographicFront"/>
+      <a:lightRig rig="threePt" dir="t"/>
+    </dgm:scene3d>
+    <dgm:sp3d/>
+    <dgm:txPr/>
+    <dgm:style>
+      <a:lnRef idx="2">
+        <a:scrgbClr r="0" g="0" b="0"/>
+      </a:lnRef>
+      <a:fillRef idx="1">
+        <a:scrgbClr r="0" g="0" b="0"/>
+      </a:fillRef>
+      <a:effectRef idx="0">
+        <a:scrgbClr r="0" g="0" b="0"/>
+      </a:effectRef>
+      <a:fontRef idx="minor">
+        <a:schemeClr val="lt1"/>
+      </a:fontRef>
+    </dgm:style>
+  </dgm:styleLbl>
+  <dgm:styleLbl name="node2">
+    <dgm:scene3d>
+      <a:camera prst="orthographicFront"/>
+      <a:lightRig rig="threePt" dir="t"/>
+    </dgm:scene3d>
+    <dgm:sp3d/>
+    <dgm:txPr/>
+    <dgm:style>
+      <a:lnRef idx="2">
+        <a:scrgbClr r="0" g="0" b="0"/>
+      </a:lnRef>
+      <a:fillRef idx="1">
+        <a:scrgbClr r="0" g="0" b="0"/>
+      </a:fillRef>
+      <a:effectRef idx="0">
+        <a:scrgbClr r="0" g="0" b="0"/>
+      </a:effectRef>
+      <a:fontRef idx="minor">
+        <a:schemeClr val="lt1"/>
+      </a:fontRef>
+    </dgm:style>
+  </dgm:styleLbl>
+  <dgm:styleLbl name="node3">
+    <dgm:scene3d>
+      <a:camera prst="orthographicFront"/>
+      <a:lightRig rig="threePt" dir="t"/>
+    </dgm:scene3d>
+    <dgm:sp3d/>
+    <dgm:txPr/>
+    <dgm:style>
+      <a:lnRef idx="2">
+        <a:scrgbClr r="0" g="0" b="0"/>
+      </a:lnRef>
+      <a:fillRef idx="1">
+        <a:scrgbClr r="0" g="0" b="0"/>
+      </a:fillRef>
+      <a:effectRef idx="0">
+        <a:scrgbClr r="0" g="0" b="0"/>
+      </a:effectRef>
+      <a:fontRef idx="minor">
+        <a:schemeClr val="lt1"/>
+      </a:fontRef>
+    </dgm:style>
+  </dgm:styleLbl>
+  <dgm:styleLbl name="node4">
+    <dgm:scene3d>
+      <a:camera prst="orthographicFront"/>
+      <a:lightRig rig="threePt" dir="t"/>
+    </dgm:scene3d>
+    <dgm:sp3d/>
+    <dgm:txPr/>
+    <dgm:style>
+      <a:lnRef idx="2">
+        <a:scrgbClr r="0" g="0" b="0"/>
+      </a:lnRef>
+      <a:fillRef idx="1">
+        <a:scrgbClr r="0" g="0" b="0"/>
+      </a:fillRef>
+      <a:effectRef idx="0">
+        <a:scrgbClr r="0" g="0" b="0"/>
+      </a:effectRef>
+      <a:fontRef idx="minor">
+        <a:schemeClr val="lt1"/>
+      </a:fontRef>
+    </dgm:style>
+  </dgm:styleLbl>
+  <dgm:styleLbl name="fgImgPlace1">
+    <dgm:scene3d>
+      <a:camera prst="orthographicFront"/>
+      <a:lightRig rig="threePt" dir="t"/>
+    </dgm:scene3d>
+    <dgm:sp3d/>
+    <dgm:txPr/>
+    <dgm:style>
+      <a:lnRef idx="2">
+        <a:scrgbClr r="0" g="0" b="0"/>
+      </a:lnRef>
+      <a:fillRef idx="1">
+        <a:scrgbClr r="0" g="0" b="0"/>
+      </a:fillRef>
+      <a:effectRef idx="0">
+        <a:scrgbClr r="0" g="0" b="0"/>
+      </a:effectRef>
+      <a:fontRef idx="minor"/>
+    </dgm:style>
+  </dgm:styleLbl>
+  <dgm:styleLbl name="alignImgPlace1">
+    <dgm:scene3d>
+      <a:camera prst="orthographicFront"/>
+      <a:lightRig rig="threePt" dir="t"/>
+    </dgm:scene3d>
+    <dgm:sp3d/>
+    <dgm:txPr/>
+    <dgm:style>
+      <a:lnRef idx="2">
+        <a:scrgbClr r="0" g="0" b="0"/>
+      </a:lnRef>
+      <a:fillRef idx="1">
+        <a:scrgbClr r="0" g="0" b="0"/>
+      </a:fillRef>
+      <a:effectRef idx="0">
+        <a:scrgbClr r="0" g="0" b="0"/>
+      </a:effectRef>
+      <a:fontRef idx="minor"/>
+    </dgm:style>
+  </dgm:styleLbl>
+  <dgm:styleLbl name="bgImgPlace1">
+    <dgm:scene3d>
+      <a:camera prst="orthographicFront"/>
+      <a:lightRig rig="threePt" dir="t"/>
+    </dgm:scene3d>
+    <dgm:sp3d/>
+    <dgm:txPr/>
+    <dgm:style>
+      <a:lnRef idx="2">
+        <a:scrgbClr r="0" g="0" b="0"/>
+      </a:lnRef>
+      <a:fillRef idx="1">
+        <a:scrgbClr r="0" g="0" b="0"/>
+      </a:fillRef>
+      <a:effectRef idx="0">
+        <a:scrgbClr r="0" g="0" b="0"/>
+      </a:effectRef>
+      <a:fontRef idx="minor"/>
+    </dgm:style>
+  </dgm:styleLbl>
+  <dgm:styleLbl name="sibTrans2D1">
+    <dgm:scene3d>
+      <a:camera prst="orthographicFront"/>
+      <a:lightRig rig="threePt" dir="t"/>
+    </dgm:scene3d>
+    <dgm:sp3d/>
+    <dgm:txPr/>
+    <dgm:style>
+      <a:lnRef idx="0">
+        <a:scrgbClr r="0" g="0" b="0"/>
+      </a:lnRef>
+      <a:fillRef idx="1">
+        <a:scrgbClr r="0" g="0" b="0"/>
+      </a:fillRef>
+      <a:effectRef idx="0">
+        <a:scrgbClr r="0" g="0" b="0"/>
+      </a:effectRef>
+      <a:fontRef idx="minor">
+        <a:schemeClr val="lt1"/>
+      </a:fontRef>
+    </dgm:style>
+  </dgm:styleLbl>
+  <dgm:styleLbl name="fgSibTrans2D1">
+    <dgm:scene3d>
+      <a:camera prst="orthographicFront"/>
+      <a:lightRig rig="threePt" dir="t"/>
+    </dgm:scene3d>
+    <dgm:sp3d/>
+    <dgm:txPr/>
+    <dgm:style>
+      <a:lnRef idx="0">
+        <a:scrgbClr r="0" g="0" b="0"/>
+      </a:lnRef>
+      <a:fillRef idx="1">
+        <a:scrgbClr r="0" g="0" b="0"/>
+      </a:fillRef>
+      <a:effectRef idx="0">
+        <a:scrgbClr r="0" g="0" b="0"/>
+      </a:effectRef>
+      <a:fontRef idx="minor">
+        <a:schemeClr val="lt1"/>
+      </a:fontRef>
+    </dgm:style>
+  </dgm:styleLbl>
+  <dgm:styleLbl name="bgSibTrans2D1">
+    <dgm:scene3d>
+      <a:camera prst="orthographicFront"/>
+      <a:lightRig rig="threePt" dir="t"/>
+    </dgm:scene3d>
+    <dgm:sp3d/>
+    <dgm:txPr/>
+    <dgm:style>
+      <a:lnRef idx="0">
+        <a:scrgbClr r="0" g="0" b="0"/>
+      </a:lnRef>
+      <a:fillRef idx="1">
+        <a:scrgbClr r="0" g="0" b="0"/>
+      </a:fillRef>
+      <a:effectRef idx="0">
+        <a:scrgbClr r="0" g="0" b="0"/>
+      </a:effectRef>
+      <a:fontRef idx="minor">
+        <a:schemeClr val="lt1"/>
+      </a:fontRef>
+    </dgm:style>
+  </dgm:styleLbl>
+  <dgm:styleLbl name="sibTrans1D1">
+    <dgm:scene3d>
+      <a:camera prst="orthographicFront"/>
+      <a:lightRig rig="threePt" dir="t"/>
+    </dgm:scene3d>
+    <dgm:sp3d/>
+    <dgm:txPr/>
+    <dgm:style>
+      <a:lnRef idx="1">
+        <a:scrgbClr r="0" g="0" b="0"/>
+      </a:lnRef>
+      <a:fillRef idx="0">
+        <a:scrgbClr r="0" g="0" b="0"/>
+      </a:fillRef>
+      <a:effectRef idx="0">
+        <a:scrgbClr r="0" g="0" b="0"/>
+      </a:effectRef>
+      <a:fontRef idx="minor"/>
+    </dgm:style>
+  </dgm:styleLbl>
+  <dgm:styleLbl name="callout">
+    <dgm:scene3d>
+      <a:camera prst="orthographicFront"/>
+      <a:lightRig rig="threePt" dir="t"/>
+    </dgm:scene3d>
+    <dgm:sp3d/>
+    <dgm:txPr/>
+    <dgm:style>
+      <a:lnRef idx="2">
+        <a:scrgbClr r="0" g="0" b="0"/>
+      </a:lnRef>
+      <a:fillRef idx="1">
+        <a:scrgbClr r="0" g="0" b="0"/>
+      </a:fillRef>
+      <a:effectRef idx="0">
+        <a:scrgbClr r="0" g="0" b="0"/>
+      </a:effectRef>
+      <a:fontRef idx="minor"/>
+    </dgm:style>
+  </dgm:styleLbl>
+  <dgm:styleLbl name="asst0">
+    <dgm:scene3d>
+      <a:camera prst="orthographicFront"/>
+      <a:lightRig rig="threePt" dir="t"/>
+    </dgm:scene3d>
+    <dgm:sp3d/>
+    <dgm:txPr/>
+    <dgm:style>
+      <a:lnRef idx="2">
+        <a:scrgbClr r="0" g="0" b="0"/>
+      </a:lnRef>
+      <a:fillRef idx="1">
+        <a:scrgbClr r="0" g="0" b="0"/>
+      </a:fillRef>
+      <a:effectRef idx="0">
+        <a:scrgbClr r="0" g="0" b="0"/>
+      </a:effectRef>
+      <a:fontRef idx="minor">
+        <a:schemeClr val="lt1"/>
+      </a:fontRef>
+    </dgm:style>
+  </dgm:styleLbl>
+  <dgm:styleLbl name="asst1">
+    <dgm:scene3d>
+      <a:camera prst="orthographicFront"/>
+      <a:lightRig rig="threePt" dir="t"/>
+    </dgm:scene3d>
+    <dgm:sp3d/>
+    <dgm:txPr/>
+    <dgm:style>
+      <a:lnRef idx="2">
+        <a:scrgbClr r="0" g="0" b="0"/>
+      </a:lnRef>
+      <a:fillRef idx="1">
+        <a:scrgbClr r="0" g="0" b="0"/>
+      </a:fillRef>
+      <a:effectRef idx="0">
+        <a:scrgbClr r="0" g="0" b="0"/>
+      </a:effectRef>
+      <a:fontRef idx="minor">
+        <a:schemeClr val="lt1"/>
+      </a:fontRef>
+    </dgm:style>
+  </dgm:styleLbl>
+  <dgm:styleLbl name="asst2">
+    <dgm:scene3d>
+      <a:camera prst="orthographicFront"/>
+      <a:lightRig rig="threePt" dir="t"/>
+    </dgm:scene3d>
+    <dgm:sp3d/>
+    <dgm:txPr/>
+    <dgm:style>
+      <a:lnRef idx="2">
+        <a:scrgbClr r="0" g="0" b="0"/>
+      </a:lnRef>
+      <a:fillRef idx="1">
+        <a:scrgbClr r="0" g="0" b="0"/>
+      </a:fillRef>
+      <a:effectRef idx="0">
+        <a:scrgbClr r="0" g="0" b="0"/>
+      </a:effectRef>
+      <a:fontRef idx="minor">
+        <a:schemeClr val="lt1"/>
+      </a:fontRef>
+    </dgm:style>
+  </dgm:styleLbl>
+  <dgm:styleLbl name="asst3">
+    <dgm:scene3d>
+      <a:camera prst="orthographicFront"/>
+      <a:lightRig rig="threePt" dir="t"/>
+    </dgm:scene3d>
+    <dgm:sp3d/>
+    <dgm:txPr/>
+    <dgm:style>
+      <a:lnRef idx="2">
+        <a:scrgbClr r="0" g="0" b="0"/>
+      </a:lnRef>
+      <a:fillRef idx="1">
+        <a:scrgbClr r="0" g="0" b="0"/>
+      </a:fillRef>
+      <a:effectRef idx="0">
+        <a:scrgbClr r="0" g="0" b="0"/>
+      </a:effectRef>
+      <a:fontRef idx="minor">
+        <a:schemeClr val="lt1"/>
+      </a:fontRef>
+    </dgm:style>
+  </dgm:styleLbl>
+  <dgm:styleLbl name="asst4">
+    <dgm:scene3d>
+      <a:camera prst="orthographicFront"/>
+      <a:lightRig rig="threePt" dir="t"/>
+    </dgm:scene3d>
+    <dgm:sp3d/>
+    <dgm:txPr/>
+    <dgm:style>
+      <a:lnRef idx="2">
+        <a:scrgbClr r="0" g="0" b="0"/>
+      </a:lnRef>
+      <a:fillRef idx="1">
+        <a:scrgbClr r="0" g="0" b="0"/>
+      </a:fillRef>
+      <a:effectRef idx="0">
+        <a:scrgbClr r="0" g="0" b="0"/>
+      </a:effectRef>
+      <a:fontRef idx="minor">
+        <a:schemeClr val="lt1"/>
+      </a:fontRef>
+    </dgm:style>
+  </dgm:styleLbl>
+  <dgm:styleLbl name="parChTrans2D1">
+    <dgm:scene3d>
+      <a:camera prst="orthographicFront"/>
+      <a:lightRig rig="threePt" dir="t"/>
+    </dgm:scene3d>
+    <dgm:sp3d/>
+    <dgm:txPr/>
+    <dgm:style>
+      <a:lnRef idx="2">
+        <a:scrgbClr r="0" g="0" b="0"/>
+      </a:lnRef>
+      <a:fillRef idx="1">
+        <a:scrgbClr r="0" g="0" b="0"/>
+      </a:fillRef>
+      <a:effectRef idx="0">
+        <a:scrgbClr r="0" g="0" b="0"/>
+      </a:effectRef>
+      <a:fontRef idx="minor">
+        <a:schemeClr val="lt1"/>
+      </a:fontRef>
+    </dgm:style>
+  </dgm:styleLbl>
+  <dgm:styleLbl name="parChTrans2D2">
+    <dgm:scene3d>
+      <a:camera prst="orthographicFront"/>
+      <a:lightRig rig="threePt" dir="t"/>
+    </dgm:scene3d>
+    <dgm:sp3d/>
+    <dgm:txPr/>
+    <dgm:style>
+      <a:lnRef idx="2">
+        <a:scrgbClr r="0" g="0" b="0"/>
+      </a:lnRef>
+      <a:fillRef idx="1">
+        <a:scrgbClr r="0" g="0" b="0"/>
+      </a:fillRef>
+      <a:effectRef idx="0">
+        <a:scrgbClr r="0" g="0" b="0"/>
+      </a:effectRef>
+      <a:fontRef idx="minor">
+        <a:schemeClr val="lt1"/>
+      </a:fontRef>
+    </dgm:style>
+  </dgm:styleLbl>
+  <dgm:styleLbl name="parChTrans2D3">
+    <dgm:scene3d>
+      <a:camera prst="orthographicFront"/>
+      <a:lightRig rig="threePt" dir="t"/>
+    </dgm:scene3d>
+    <dgm:sp3d/>
+    <dgm:txPr/>
+    <dgm:style>
+      <a:lnRef idx="2">
+        <a:scrgbClr r="0" g="0" b="0"/>
+      </a:lnRef>
+      <a:fillRef idx="1">
+        <a:scrgbClr r="0" g="0" b="0"/>
+      </a:fillRef>
+      <a:effectRef idx="0">
+        <a:scrgbClr r="0" g="0" b="0"/>
+      </a:effectRef>
+      <a:fontRef idx="minor">
+        <a:schemeClr val="lt1"/>
+      </a:fontRef>
+    </dgm:style>
+  </dgm:styleLbl>
+  <dgm:styleLbl name="parChTrans2D4">
+    <dgm:scene3d>
+      <a:camera prst="orthographicFront"/>
+      <a:lightRig rig="threePt" dir="t"/>
+    </dgm:scene3d>
+    <dgm:sp3d/>
+    <dgm:txPr/>
+    <dgm:style>
+      <a:lnRef idx="2">
+        <a:scrgbClr r="0" g="0" b="0"/>
+      </a:lnRef>
+      <a:fillRef idx="1">
+        <a:scrgbClr r="0" g="0" b="0"/>
+      </a:fillRef>
+      <a:effectRef idx="0">
+        <a:scrgbClr r="0" g="0" b="0"/>
+      </a:effectRef>
+      <a:fontRef idx="minor">
+        <a:schemeClr val="lt1"/>
+      </a:fontRef>
+    </dgm:style>
+  </dgm:styleLbl>
+  <dgm:styleLbl name="parChTrans1D1">
+    <dgm:scene3d>
+      <a:camera prst="orthographicFront"/>
+      <a:lightRig rig="threePt" dir="t"/>
+    </dgm:scene3d>
+    <dgm:sp3d/>
+    <dgm:txPr/>
+    <dgm:style>
+      <a:lnRef idx="2">
+        <a:scrgbClr r="0" g="0" b="0"/>
+      </a:lnRef>
+      <a:fillRef idx="0">
+        <a:scrgbClr r="0" g="0" b="0"/>
+      </a:fillRef>
+      <a:effectRef idx="0">
+        <a:scrgbClr r="0" g="0" b="0"/>
+      </a:effectRef>
+      <a:fontRef idx="minor"/>
+    </dgm:style>
+  </dgm:styleLbl>
+  <dgm:styleLbl name="parChTrans1D2">
+    <dgm:scene3d>
+      <a:camera prst="orthographicFront"/>
+      <a:lightRig rig="threePt" dir="t"/>
+    </dgm:scene3d>
+    <dgm:sp3d/>
+    <dgm:txPr/>
+    <dgm:style>
+      <a:lnRef idx="2">
+        <a:scrgbClr r="0" g="0" b="0"/>
+      </a:lnRef>
+      <a:fillRef idx="0">
+        <a:scrgbClr r="0" g="0" b="0"/>
+      </a:fillRef>
+      <a:effectRef idx="0">
+        <a:scrgbClr r="0" g="0" b="0"/>
+      </a:effectRef>
+      <a:fontRef idx="minor"/>
+    </dgm:style>
+  </dgm:styleLbl>
+  <dgm:styleLbl name="parChTrans1D3">
+    <dgm:scene3d>
+      <a:camera prst="orthographicFront"/>
+      <a:lightRig rig="threePt" dir="t"/>
+    </dgm:scene3d>
+    <dgm:sp3d/>
+    <dgm:txPr/>
+    <dgm:style>
+      <a:lnRef idx="2">
+        <a:scrgbClr r="0" g="0" b="0"/>
+      </a:lnRef>
+      <a:fillRef idx="0">
+        <a:scrgbClr r="0" g="0" b="0"/>
+      </a:fillRef>
+      <a:effectRef idx="0">
+        <a:scrgbClr r="0" g="0" b="0"/>
+      </a:effectRef>
+      <a:fontRef idx="minor"/>
+    </dgm:style>
+  </dgm:styleLbl>
+  <dgm:styleLbl name="parChTrans1D4">
+    <dgm:scene3d>
+      <a:camera prst="orthographicFront"/>
+      <a:lightRig rig="threePt" dir="t"/>
+    </dgm:scene3d>
+    <dgm:sp3d/>
+    <dgm:txPr/>
+    <dgm:style>
+      <a:lnRef idx="2">
+        <a:scrgbClr r="0" g="0" b="0"/>
+      </a:lnRef>
+      <a:fillRef idx="0">
+        <a:scrgbClr r="0" g="0" b="0"/>
+      </a:fillRef>
+      <a:effectRef idx="0">
+        <a:scrgbClr r="0" g="0" b="0"/>
+      </a:effectRef>
+      <a:fontRef idx="minor"/>
+    </dgm:style>
+  </dgm:styleLbl>
+  <dgm:styleLbl name="fgAcc1">
+    <dgm:scene3d>
+      <a:camera prst="orthographicFront"/>
+      <a:lightRig rig="threePt" dir="t"/>
+    </dgm:scene3d>
+    <dgm:sp3d/>
+    <dgm:txPr/>
+    <dgm:style>
+      <a:lnRef idx="2">
+        <a:scrgbClr r="0" g="0" b="0"/>
+      </a:lnRef>
+      <a:fillRef idx="1">
+        <a:scrgbClr r="0" g="0" b="0"/>
+      </a:fillRef>
+      <a:effectRef idx="0">
+        <a:scrgbClr r="0" g="0" b="0"/>
+      </a:effectRef>
+      <a:fontRef idx="minor"/>
+    </dgm:style>
+  </dgm:styleLbl>
+  <dgm:styleLbl name="conFgAcc1">
+    <dgm:scene3d>
+      <a:camera prst="orthographicFront"/>
+      <a:lightRig rig="threePt" dir="t"/>
+    </dgm:scene3d>
+    <dgm:sp3d/>
+    <dgm:txPr/>
+    <dgm:style>
+      <a:lnRef idx="2">
+        <a:scrgbClr r="0" g="0" b="0"/>
+      </a:lnRef>
+      <a:fillRef idx="1">
+        <a:scrgbClr r="0" g="0" b="0"/>
+      </a:fillRef>
+      <a:effectRef idx="0">
+        <a:scrgbClr r="0" g="0" b="0"/>
+      </a:effectRef>
+      <a:fontRef idx="minor"/>
+    </dgm:style>
+  </dgm:styleLbl>
+  <dgm:styleLbl name="alignAcc1">
+    <dgm:scene3d>
+      <a:camera prst="orthographicFront"/>
+      <a:lightRig rig="threePt" dir="t"/>
+    </dgm:scene3d>
+    <dgm:sp3d/>
+    <dgm:txPr/>
+    <dgm:style>
+      <a:lnRef idx="2">
+        <a:scrgbClr r="0" g="0" b="0"/>
+      </a:lnRef>
+      <a:fillRef idx="1">
+        <a:scrgbClr r="0" g="0" b="0"/>
+      </a:fillRef>
+      <a:effectRef idx="0">
+        <a:scrgbClr r="0" g="0" b="0"/>
+      </a:effectRef>
+      <a:fontRef idx="minor"/>
+    </dgm:style>
+  </dgm:styleLbl>
+  <dgm:styleLbl name="trAlignAcc1">
+    <dgm:scene3d>
+      <a:camera prst="orthographicFront"/>
+      <a:lightRig rig="threePt" dir="t"/>
+    </dgm:scene3d>
+    <dgm:sp3d/>
+    <dgm:txPr/>
+    <dgm:style>
+      <a:lnRef idx="1">
+        <a:scrgbClr r="0" g="0" b="0"/>
+      </a:lnRef>
+      <a:fillRef idx="1">
+        <a:scrgbClr r="0" g="0" b="0"/>
+      </a:fillRef>
+      <a:effectRef idx="0">
+        <a:scrgbClr r="0" g="0" b="0"/>
+      </a:effectRef>
+      <a:fontRef idx="minor"/>
+    </dgm:style>
+  </dgm:styleLbl>
+  <dgm:styleLbl name="bgAcc1">
+    <dgm:scene3d>
+      <a:camera prst="orthographicFront"/>
+      <a:lightRig rig="threePt" dir="t"/>
+    </dgm:scene3d>
+    <dgm:sp3d/>
+    <dgm:txPr/>
+    <dgm:style>
+      <a:lnRef idx="2">
+        <a:scrgbClr r="0" g="0" b="0"/>
+      </a:lnRef>
+      <a:fillRef idx="1">
+        <a:scrgbClr r="0" g="0" b="0"/>
+      </a:fillRef>
+      <a:effectRef idx="0">
+        <a:scrgbClr r="0" g="0" b="0"/>
+      </a:effectRef>
+      <a:fontRef idx="minor"/>
+    </dgm:style>
+  </dgm:styleLbl>
+  <dgm:styleLbl name="solidFgAcc1">
+    <dgm:scene3d>
+      <a:camera prst="orthographicFront"/>
+      <a:lightRig rig="threePt" dir="t"/>
+    </dgm:scene3d>
+    <dgm:sp3d/>
+    <dgm:txPr/>
+    <dgm:style>
+      <a:lnRef idx="2">
+        <a:scrgbClr r="0" g="0" b="0"/>
+      </a:lnRef>
+      <a:fillRef idx="1">
+        <a:scrgbClr r="0" g="0" b="0"/>
+      </a:fillRef>
+      <a:effectRef idx="0">
+        <a:scrgbClr r="0" g="0" b="0"/>
+      </a:effectRef>
+      <a:fontRef idx="minor"/>
+    </dgm:style>
+  </dgm:styleLbl>
+  <dgm:styleLbl name="solidAlignAcc1">
+    <dgm:scene3d>
+      <a:camera prst="orthographicFront"/>
+      <a:lightRig rig="threePt" dir="t"/>
+    </dgm:scene3d>
+    <dgm:sp3d/>
+    <dgm:txPr/>
+    <dgm:style>
+      <a:lnRef idx="2">
+        <a:scrgbClr r="0" g="0" b="0"/>
+      </a:lnRef>
+      <a:fillRef idx="1">
+        <a:scrgbClr r="0" g="0" b="0"/>
+      </a:fillRef>
+      <a:effectRef idx="0">
+        <a:scrgbClr r="0" g="0" b="0"/>
+      </a:effectRef>
+      <a:fontRef idx="minor"/>
+    </dgm:style>
+  </dgm:styleLbl>
+  <dgm:styleLbl name="solidBgAcc1">
+    <dgm:scene3d>
+      <a:camera prst="orthographicFront"/>
+      <a:lightRig rig="threePt" dir="t"/>
+    </dgm:scene3d>
+    <dgm:sp3d/>
+    <dgm:txPr/>
+    <dgm:style>
+      <a:lnRef idx="2">
+        <a:scrgbClr r="0" g="0" b="0"/>
+      </a:lnRef>
+      <a:fillRef idx="1">
+        <a:scrgbClr r="0" g="0" b="0"/>
+      </a:fillRef>
+      <a:effectRef idx="0">
+        <a:scrgbClr r="0" g="0" b="0"/>
+      </a:effectRef>
+      <a:fontRef idx="minor"/>
+    </dgm:style>
+  </dgm:styleLbl>
+  <dgm:styleLbl name="fgAccFollowNode1">
+    <dgm:scene3d>
+      <a:camera prst="orthographicFront"/>
+      <a:lightRig rig="threePt" dir="t"/>
+    </dgm:scene3d>
+    <dgm:sp3d/>
+    <dgm:txPr/>
+    <dgm:style>
+      <a:lnRef idx="2">
+        <a:scrgbClr r="0" g="0" b="0"/>
+      </a:lnRef>
+      <a:fillRef idx="1">
+        <a:scrgbClr r="0" g="0" b="0"/>
+      </a:fillRef>
+      <a:effectRef idx="0">
+        <a:scrgbClr r="0" g="0" b="0"/>
+      </a:effectRef>
+      <a:fontRef idx="minor"/>
+    </dgm:style>
+  </dgm:styleLbl>
+  <dgm:styleLbl name="alignAccFollowNode1">
+    <dgm:scene3d>
+      <a:camera prst="orthographicFront"/>
+      <a:lightRig rig="threePt" dir="t"/>
+    </dgm:scene3d>
+    <dgm:sp3d/>
+    <dgm:txPr/>
+    <dgm:style>
+      <a:lnRef idx="2">
+        <a:scrgbClr r="0" g="0" b="0"/>
+      </a:lnRef>
+      <a:fillRef idx="1">
+        <a:scrgbClr r="0" g="0" b="0"/>
+      </a:fillRef>
+      <a:effectRef idx="0">
+        <a:scrgbClr r="0" g="0" b="0"/>
+      </a:effectRef>
+      <a:fontRef idx="minor"/>
+    </dgm:style>
+  </dgm:styleLbl>
+  <dgm:styleLbl name="bgAccFollowNode1">
+    <dgm:scene3d>
+      <a:camera prst="orthographicFront"/>
+      <a:lightRig rig="threePt" dir="t"/>
+    </dgm:scene3d>
+    <dgm:sp3d/>
+    <dgm:txPr/>
+    <dgm:style>
+      <a:lnRef idx="2">
+        <a:scrgbClr r="0" g="0" b="0"/>
+      </a:lnRef>
+      <a:fillRef idx="1">
+        <a:scrgbClr r="0" g="0" b="0"/>
+      </a:fillRef>
+      <a:effectRef idx="0">
+        <a:scrgbClr r="0" g="0" b="0"/>
+      </a:effectRef>
+      <a:fontRef idx="minor"/>
+    </dgm:style>
+  </dgm:styleLbl>
+  <dgm:styleLbl name="fgAcc0">
+    <dgm:scene3d>
+      <a:camera prst="orthographicFront"/>
+      <a:lightRig rig="threePt" dir="t"/>
+    </dgm:scene3d>
+    <dgm:sp3d/>
+    <dgm:txPr/>
+    <dgm:style>
+      <a:lnRef idx="2">
+        <a:scrgbClr r="0" g="0" b="0"/>
+      </a:lnRef>
+      <a:fillRef idx="1">
+        <a:scrgbClr r="0" g="0" b="0"/>
+      </a:fillRef>
+      <a:effectRef idx="0">
+        <a:scrgbClr r="0" g="0" b="0"/>
+      </a:effectRef>
+      <a:fontRef idx="minor"/>
+    </dgm:style>
+  </dgm:styleLbl>
+  <dgm:styleLbl name="fgAcc2">
+    <dgm:scene3d>
+      <a:camera prst="orthographicFront"/>
+      <a:lightRig rig="threePt" dir="t"/>
+    </dgm:scene3d>
+    <dgm:sp3d/>
+    <dgm:txPr/>
+    <dgm:style>
+      <a:lnRef idx="2">
+        <a:scrgbClr r="0" g="0" b="0"/>
+      </a:lnRef>
+      <a:fillRef idx="1">
+        <a:scrgbClr r="0" g="0" b="0"/>
+      </a:fillRef>
+      <a:effectRef idx="0">
+        <a:scrgbClr r="0" g="0" b="0"/>
+      </a:effectRef>
+      <a:fontRef idx="minor"/>
+    </dgm:style>
+  </dgm:styleLbl>
+  <dgm:styleLbl name="fgAcc3">
+    <dgm:scene3d>
+      <a:camera prst="orthographicFront"/>
+      <a:lightRig rig="threePt" dir="t"/>
+    </dgm:scene3d>
+    <dgm:sp3d/>
+    <dgm:txPr/>
+    <dgm:style>
+      <a:lnRef idx="2">
+        <a:scrgbClr r="0" g="0" b="0"/>
+      </a:lnRef>
+      <a:fillRef idx="1">
+        <a:scrgbClr r="0" g="0" b="0"/>
+      </a:fillRef>
+      <a:effectRef idx="0">
+        <a:scrgbClr r="0" g="0" b="0"/>
+      </a:effectRef>
+      <a:fontRef idx="minor"/>
+    </dgm:style>
+  </dgm:styleLbl>
+  <dgm:styleLbl name="fgAcc4">
+    <dgm:scene3d>
+      <a:camera prst="orthographicFront"/>
+      <a:lightRig rig="threePt" dir="t"/>
+    </dgm:scene3d>
+    <dgm:sp3d/>
+    <dgm:txPr/>
+    <dgm:style>
+      <a:lnRef idx="2">
+        <a:scrgbClr r="0" g="0" b="0"/>
+      </a:lnRef>
+      <a:fillRef idx="1">
+        <a:scrgbClr r="0" g="0" b="0"/>
+      </a:fillRef>
+      <a:effectRef idx="0">
+        <a:scrgbClr r="0" g="0" b="0"/>
+      </a:effectRef>
+      <a:fontRef idx="minor"/>
+    </dgm:style>
+  </dgm:styleLbl>
+  <dgm:styleLbl name="bgShp">
+    <dgm:scene3d>
+      <a:camera prst="orthographicFront"/>
+      <a:lightRig rig="threePt" dir="t"/>
+    </dgm:scene3d>
+    <dgm:sp3d/>
+    <dgm:txPr/>
+    <dgm:style>
+      <a:lnRef idx="0">
+        <a:scrgbClr r="0" g="0" b="0"/>
+      </a:lnRef>
+      <a:fillRef idx="1">
+        <a:scrgbClr r="0" g="0" b="0"/>
+      </a:fillRef>
+      <a:effectRef idx="0">
+        <a:scrgbClr r="0" g="0" b="0"/>
+      </a:effectRef>
+      <a:fontRef idx="minor"/>
+    </dgm:style>
+  </dgm:styleLbl>
+  <dgm:styleLbl name="dkBgShp">
+    <dgm:scene3d>
+      <a:camera prst="orthographicFront"/>
+      <a:lightRig rig="threePt" dir="t"/>
+    </dgm:scene3d>
+    <dgm:sp3d/>
+    <dgm:txPr/>
+    <dgm:style>
+      <a:lnRef idx="0">
+        <a:scrgbClr r="0" g="0" b="0"/>
+      </a:lnRef>
+      <a:fillRef idx="1">
+        <a:scrgbClr r="0" g="0" b="0"/>
+      </a:fillRef>
+      <a:effectRef idx="0">
+        <a:scrgbClr r="0" g="0" b="0"/>
+      </a:effectRef>
+      <a:fontRef idx="minor"/>
+    </dgm:style>
+  </dgm:styleLbl>
+  <dgm:styleLbl name="trBgShp">
+    <dgm:scene3d>
+      <a:camera prst="orthographicFront"/>
+      <a:lightRig rig="threePt" dir="t"/>
+    </dgm:scene3d>
+    <dgm:sp3d/>
+    <dgm:txPr/>
+    <dgm:style>
+      <a:lnRef idx="0">
+        <a:scrgbClr r="0" g="0" b="0"/>
+      </a:lnRef>
+      <a:fillRef idx="1">
+        <a:scrgbClr r="0" g="0" b="0"/>
+      </a:fillRef>
+      <a:effectRef idx="0">
+        <a:scrgbClr r="0" g="0" b="0"/>
+      </a:effectRef>
+      <a:fontRef idx="minor"/>
+    </dgm:style>
+  </dgm:styleLbl>
+  <dgm:styleLbl name="fgShp">
+    <dgm:scene3d>
+      <a:camera prst="orthographicFront"/>
+      <a:lightRig rig="threePt" dir="t"/>
+    </dgm:scene3d>
+    <dgm:sp3d/>
+    <dgm:txPr/>
+    <dgm:style>
+      <a:lnRef idx="2">
+        <a:scrgbClr r="0" g="0" b="0"/>
+      </a:lnRef>
+      <a:fillRef idx="1">
+        <a:scrgbClr r="0" g="0" b="0"/>
+      </a:fillRef>
+      <a:effectRef idx="0">
+        <a:scrgbClr r="0" g="0" b="0"/>
+      </a:effectRef>
+      <a:fontRef idx="minor"/>
+    </dgm:style>
+  </dgm:styleLbl>
+  <dgm:styleLbl name="revTx">
+    <dgm:scene3d>
+      <a:camera prst="orthographicFront"/>
+      <a:lightRig rig="threePt" dir="t"/>
+    </dgm:scene3d>
+    <dgm:sp3d/>
+    <dgm:txPr/>
+    <dgm:style>
+      <a:lnRef idx="0">
+        <a:scrgbClr r="0" g="0" b="0"/>
+      </a:lnRef>
+      <a:fillRef idx="0">
+        <a:scrgbClr r="0" g="0" b="0"/>
+      </a:fillRef>
+      <a:effectRef idx="0">
+        <a:scrgbClr r="0" g="0" b="0"/>
+      </a:effectRef>
+      <a:fontRef idx="minor"/>
+    </dgm:style>
+  </dgm:styleLbl>
+</dgm:styleDef>
+</file>
+
+<file path=ppt/diagrams/quickStyle9.xml><?xml version="1.0" encoding="utf-8"?>
 <dgm:styleDef xmlns:dgm="http://schemas.openxmlformats.org/drawingml/2006/diagram" xmlns:a="http://schemas.openxmlformats.org/drawingml/2006/main" uniqueId="urn:microsoft.com/office/officeart/2005/8/quickstyle/simple1">
   <dgm:title val=""/>
   <dgm:desc val=""/>
@@ -31695,6 +35275,1244 @@
 </file>
 
 <file path=ppt/slides/slide10.xml><?xml version="1.0" encoding="utf-8"?>
+<p:sld xmlns:a="http://schemas.openxmlformats.org/drawingml/2006/main" xmlns:r="http://schemas.openxmlformats.org/officeDocument/2006/relationships" xmlns:p="http://schemas.openxmlformats.org/presentationml/2006/main">
+  <p:cSld>
+    <p:bg>
+      <p:bgPr>
+        <a:solidFill>
+          <a:schemeClr val="tx1"/>
+        </a:solidFill>
+        <a:effectLst/>
+      </p:bgPr>
+    </p:bg>
+    <p:spTree>
+      <p:nvGrpSpPr>
+        <p:cNvPr id="1" name=""/>
+        <p:cNvGrpSpPr/>
+        <p:nvPr/>
+      </p:nvGrpSpPr>
+      <p:grpSpPr>
+        <a:xfrm>
+          <a:off x="0" y="0"/>
+          <a:ext cx="0" cy="0"/>
+          <a:chOff x="0" y="0"/>
+          <a:chExt cx="0" cy="0"/>
+        </a:xfrm>
+      </p:grpSpPr>
+      <p:sp>
+        <p:nvSpPr>
+          <p:cNvPr id="2" name="Titolo 1">
+            <a:extLst>
+              <a:ext uri="{FF2B5EF4-FFF2-40B4-BE49-F238E27FC236}">
+                <a16:creationId xmlns:a16="http://schemas.microsoft.com/office/drawing/2014/main" id="{A270F662-6F26-4AEF-8DB1-4A3981D11B3E}"/>
+              </a:ext>
+            </a:extLst>
+          </p:cNvPr>
+          <p:cNvSpPr>
+            <a:spLocks noGrp="1"/>
+          </p:cNvSpPr>
+          <p:nvPr>
+            <p:ph type="title"/>
+          </p:nvPr>
+        </p:nvSpPr>
+        <p:spPr>
+          <a:xfrm>
+            <a:off x="422415" y="-112052"/>
+            <a:ext cx="7164493" cy="1325563"/>
+          </a:xfrm>
+        </p:spPr>
+        <p:txBody>
+          <a:bodyPr>
+            <a:normAutofit/>
+          </a:bodyPr>
+          <a:lstStyle/>
+          <a:p>
+            <a:r>
+              <a:rPr lang="it-IT" dirty="0">
+                <a:solidFill>
+                  <a:schemeClr val="bg1"/>
+                </a:solidFill>
+                <a:latin typeface="Futura BT" panose="020B0702020204020204" pitchFamily="34" charset="0"/>
+              </a:rPr>
+              <a:t>Andamento</a:t>
+            </a:r>
+            <a:endParaRPr lang="it-IT" sz="2700" dirty="0">
+              <a:solidFill>
+                <a:schemeClr val="bg1"/>
+              </a:solidFill>
+              <a:latin typeface="Futura BT" panose="020B0702020204020204" pitchFamily="34" charset="0"/>
+            </a:endParaRPr>
+          </a:p>
+        </p:txBody>
+      </p:sp>
+      <p:graphicFrame>
+        <p:nvGraphicFramePr>
+          <p:cNvPr id="6" name="Diagramma 5">
+            <a:extLst>
+              <a:ext uri="{FF2B5EF4-FFF2-40B4-BE49-F238E27FC236}">
+                <a16:creationId xmlns:a16="http://schemas.microsoft.com/office/drawing/2014/main" id="{514B43A1-DA18-441F-A3C8-1DD576C67876}"/>
+              </a:ext>
+            </a:extLst>
+          </p:cNvPr>
+          <p:cNvGraphicFramePr/>
+          <p:nvPr/>
+        </p:nvGraphicFramePr>
+        <p:xfrm>
+          <a:off x="4150139" y="6508875"/>
+          <a:ext cx="3891722" cy="294516"/>
+        </p:xfrm>
+        <a:graphic>
+          <a:graphicData uri="http://schemas.openxmlformats.org/drawingml/2006/diagram">
+            <dgm:relIds xmlns:dgm="http://schemas.openxmlformats.org/drawingml/2006/diagram" xmlns:r="http://schemas.openxmlformats.org/officeDocument/2006/relationships" r:dm="rId2" r:lo="rId3" r:qs="rId4" r:cs="rId5"/>
+          </a:graphicData>
+        </a:graphic>
+      </p:graphicFrame>
+      <p:graphicFrame>
+        <p:nvGraphicFramePr>
+          <p:cNvPr id="63" name="Tabella 3">
+            <a:extLst>
+              <a:ext uri="{FF2B5EF4-FFF2-40B4-BE49-F238E27FC236}">
+                <a16:creationId xmlns:a16="http://schemas.microsoft.com/office/drawing/2014/main" id="{AA09C27F-EFFF-4B60-A88C-91C80705B7D6}"/>
+              </a:ext>
+            </a:extLst>
+          </p:cNvPr>
+          <p:cNvGraphicFramePr>
+            <a:graphicFrameLocks noGrp="1"/>
+          </p:cNvGraphicFramePr>
+          <p:nvPr>
+            <p:extLst>
+              <p:ext uri="{D42A27DB-BD31-4B8C-83A1-F6EECF244321}">
+                <p14:modId xmlns:p14="http://schemas.microsoft.com/office/powerpoint/2010/main" val="2628989406"/>
+              </p:ext>
+            </p:extLst>
+          </p:nvPr>
+        </p:nvGraphicFramePr>
+        <p:xfrm>
+          <a:off x="6230797" y="1213511"/>
+          <a:ext cx="5538788" cy="2013035"/>
+        </p:xfrm>
+        <a:graphic>
+          <a:graphicData uri="http://schemas.openxmlformats.org/drawingml/2006/table">
+            <a:tbl>
+              <a:tblPr firstRow="1" bandRow="1">
+                <a:tableStyleId>{5C22544A-7EE6-4342-B048-85BDC9FD1C3A}</a:tableStyleId>
+              </a:tblPr>
+              <a:tblGrid>
+                <a:gridCol w="742951">
+                  <a:extLst>
+                    <a:ext uri="{9D8B030D-6E8A-4147-A177-3AD203B41FA5}">
+                      <a16:colId xmlns:a16="http://schemas.microsoft.com/office/drawing/2014/main" val="2463459753"/>
+                    </a:ext>
+                  </a:extLst>
+                </a:gridCol>
+                <a:gridCol w="1624012">
+                  <a:extLst>
+                    <a:ext uri="{9D8B030D-6E8A-4147-A177-3AD203B41FA5}">
+                      <a16:colId xmlns:a16="http://schemas.microsoft.com/office/drawing/2014/main" val="1732428079"/>
+                    </a:ext>
+                  </a:extLst>
+                </a:gridCol>
+                <a:gridCol w="1681163">
+                  <a:extLst>
+                    <a:ext uri="{9D8B030D-6E8A-4147-A177-3AD203B41FA5}">
+                      <a16:colId xmlns:a16="http://schemas.microsoft.com/office/drawing/2014/main" val="2264624100"/>
+                    </a:ext>
+                  </a:extLst>
+                </a:gridCol>
+                <a:gridCol w="1490662">
+                  <a:extLst>
+                    <a:ext uri="{9D8B030D-6E8A-4147-A177-3AD203B41FA5}">
+                      <a16:colId xmlns:a16="http://schemas.microsoft.com/office/drawing/2014/main" val="3139378777"/>
+                    </a:ext>
+                  </a:extLst>
+                </a:gridCol>
+              </a:tblGrid>
+              <a:tr h="396760">
+                <a:tc gridSpan="2">
+                  <a:txBody>
+                    <a:bodyPr/>
+                    <a:lstStyle/>
+                    <a:p>
+                      <a:pPr algn="ctr"/>
+                      <a:r>
+                        <a:rPr lang="it-IT" sz="1000" b="1" dirty="0">
+                          <a:latin typeface="+mj-lt"/>
+                        </a:rPr>
+                        <a:t>Indici</a:t>
+                      </a:r>
+                    </a:p>
+                  </a:txBody>
+                  <a:tcPr marT="2888" marB="2888" anchor="ctr">
+                    <a:lnL w="12700" cmpd="sng">
+                      <a:noFill/>
+                    </a:lnL>
+                    <a:lnR w="12700" cmpd="sng">
+                      <a:noFill/>
+                    </a:lnR>
+                    <a:lnT w="12700" cmpd="sng">
+                      <a:noFill/>
+                    </a:lnT>
+                    <a:lnB w="38100" cmpd="sng">
+                      <a:noFill/>
+                    </a:lnB>
+                    <a:lnTlToBr w="12700" cmpd="sng">
+                      <a:noFill/>
+                      <a:prstDash val="solid"/>
+                    </a:lnTlToBr>
+                    <a:lnBlToTr w="12700" cmpd="sng">
+                      <a:noFill/>
+                      <a:prstDash val="solid"/>
+                    </a:lnBlToTr>
+                    <a:solidFill>
+                      <a:srgbClr val="1C5F4A"/>
+                    </a:solidFill>
+                  </a:tcPr>
+                </a:tc>
+                <a:tc hMerge="1">
+                  <a:txBody>
+                    <a:bodyPr/>
+                    <a:lstStyle/>
+                    <a:p>
+                      <a:pPr algn="ctr"/>
+                      <a:endParaRPr lang="it-IT" sz="1000" b="1" dirty="0">
+                        <a:latin typeface="+mj-lt"/>
+                      </a:endParaRPr>
+                    </a:p>
+                  </a:txBody>
+                  <a:tcPr anchor="ctr">
+                    <a:lnL w="12700" cmpd="sng">
+                      <a:noFill/>
+                    </a:lnL>
+                    <a:lnR w="12700" cmpd="sng">
+                      <a:noFill/>
+                    </a:lnR>
+                    <a:lnT w="12700" cmpd="sng">
+                      <a:noFill/>
+                    </a:lnT>
+                    <a:lnB w="38100" cmpd="sng">
+                      <a:noFill/>
+                    </a:lnB>
+                    <a:lnTlToBr w="12700" cmpd="sng">
+                      <a:noFill/>
+                      <a:prstDash val="solid"/>
+                    </a:lnTlToBr>
+                    <a:lnBlToTr w="12700" cmpd="sng">
+                      <a:noFill/>
+                      <a:prstDash val="solid"/>
+                    </a:lnBlToTr>
+                    <a:solidFill>
+                      <a:srgbClr val="1C5F4A"/>
+                    </a:solidFill>
+                  </a:tcPr>
+                </a:tc>
+                <a:tc>
+                  <a:txBody>
+                    <a:bodyPr/>
+                    <a:lstStyle/>
+                    <a:p>
+                      <a:pPr algn="ctr"/>
+                      <a:r>
+                        <a:rPr lang="it-IT" sz="1000" b="1" dirty="0">
+                          <a:latin typeface="+mj-lt"/>
+                        </a:rPr>
+                        <a:t>31/12/2019</a:t>
+                      </a:r>
+                    </a:p>
+                  </a:txBody>
+                  <a:tcPr marT="0" marB="0" anchor="ctr">
+                    <a:lnL w="12700" cmpd="sng">
+                      <a:noFill/>
+                    </a:lnL>
+                    <a:lnR w="12700" cmpd="sng">
+                      <a:noFill/>
+                    </a:lnR>
+                    <a:lnT w="12700" cmpd="sng">
+                      <a:noFill/>
+                    </a:lnT>
+                    <a:lnB w="38100" cmpd="sng">
+                      <a:noFill/>
+                    </a:lnB>
+                    <a:lnTlToBr w="12700" cmpd="sng">
+                      <a:noFill/>
+                      <a:prstDash val="solid"/>
+                    </a:lnTlToBr>
+                    <a:lnBlToTr w="12700" cmpd="sng">
+                      <a:noFill/>
+                      <a:prstDash val="solid"/>
+                    </a:lnBlToTr>
+                    <a:solidFill>
+                      <a:srgbClr val="1C5F4A"/>
+                    </a:solidFill>
+                  </a:tcPr>
+                </a:tc>
+                <a:tc>
+                  <a:txBody>
+                    <a:bodyPr/>
+                    <a:lstStyle/>
+                    <a:p>
+                      <a:pPr algn="ctr"/>
+                      <a:r>
+                        <a:rPr lang="it-IT" sz="1000" b="1" dirty="0">
+                          <a:latin typeface="+mj-lt"/>
+                        </a:rPr>
+                        <a:t>31/12/2020</a:t>
+                      </a:r>
+                    </a:p>
+                  </a:txBody>
+                  <a:tcPr marT="0" marB="0" anchor="ctr">
+                    <a:lnL w="12700" cmpd="sng">
+                      <a:noFill/>
+                    </a:lnL>
+                    <a:lnR w="12700" cmpd="sng">
+                      <a:noFill/>
+                    </a:lnR>
+                    <a:lnT w="12700" cmpd="sng">
+                      <a:noFill/>
+                    </a:lnT>
+                    <a:lnB w="38100" cmpd="sng">
+                      <a:noFill/>
+                    </a:lnB>
+                    <a:lnTlToBr w="12700" cmpd="sng">
+                      <a:noFill/>
+                      <a:prstDash val="solid"/>
+                    </a:lnTlToBr>
+                    <a:lnBlToTr w="12700" cmpd="sng">
+                      <a:noFill/>
+                      <a:prstDash val="solid"/>
+                    </a:lnBlToTr>
+                    <a:solidFill>
+                      <a:srgbClr val="1C5F4A"/>
+                    </a:solidFill>
+                  </a:tcPr>
+                </a:tc>
+                <a:extLst>
+                  <a:ext uri="{0D108BD9-81ED-4DB2-BD59-A6C34878D82A}">
+                    <a16:rowId xmlns:a16="http://schemas.microsoft.com/office/drawing/2014/main" val="539731335"/>
+                  </a:ext>
+                </a:extLst>
+              </a:tr>
+              <a:tr h="323255">
+                <a:tc>
+                  <a:txBody>
+                    <a:bodyPr/>
+                    <a:lstStyle/>
+                    <a:p>
+                      <a:pPr algn="ctr"/>
+                      <a:r>
+                        <a:rPr lang="it-IT" sz="1000" b="1" dirty="0">
+                          <a:latin typeface="+mj-lt"/>
+                        </a:rPr>
+                        <a:t>ROE</a:t>
+                      </a:r>
+                    </a:p>
+                  </a:txBody>
+                  <a:tcPr marT="0" marB="0" anchor="ctr">
+                    <a:lnL w="12700" cmpd="sng">
+                      <a:noFill/>
+                    </a:lnL>
+                    <a:lnR w="12700" cmpd="sng">
+                      <a:noFill/>
+                    </a:lnR>
+                    <a:lnT w="38100" cmpd="sng">
+                      <a:noFill/>
+                    </a:lnT>
+                    <a:lnB w="12700" cmpd="sng">
+                      <a:noFill/>
+                    </a:lnB>
+                    <a:lnTlToBr w="12700" cmpd="sng">
+                      <a:noFill/>
+                      <a:prstDash val="solid"/>
+                    </a:lnTlToBr>
+                    <a:lnBlToTr w="12700" cmpd="sng">
+                      <a:noFill/>
+                      <a:prstDash val="solid"/>
+                    </a:lnBlToTr>
+                  </a:tcPr>
+                </a:tc>
+                <a:tc>
+                  <a:txBody>
+                    <a:bodyPr/>
+                    <a:lstStyle/>
+                    <a:p>
+                      <a:pPr algn="ctr"/>
+                      <a:r>
+                        <a:rPr lang="it-IT" sz="1000" b="0" dirty="0" err="1">
+                          <a:latin typeface="+mj-lt"/>
+                        </a:rPr>
+                        <a:t>Redd</a:t>
+                      </a:r>
+                      <a:r>
+                        <a:rPr lang="it-IT" sz="1000" b="0" dirty="0">
+                          <a:latin typeface="+mj-lt"/>
+                        </a:rPr>
+                        <a:t>. N. / </a:t>
+                      </a:r>
+                      <a:r>
+                        <a:rPr lang="it-IT" sz="1000" b="0" dirty="0" err="1">
+                          <a:latin typeface="+mj-lt"/>
+                        </a:rPr>
+                        <a:t>Patr</a:t>
+                      </a:r>
+                      <a:r>
+                        <a:rPr lang="it-IT" sz="1000" b="0" dirty="0">
+                          <a:latin typeface="+mj-lt"/>
+                        </a:rPr>
+                        <a:t>. N.</a:t>
+                      </a:r>
+                    </a:p>
+                  </a:txBody>
+                  <a:tcPr marT="0" marB="0" anchor="ctr">
+                    <a:lnL w="12700" cmpd="sng">
+                      <a:noFill/>
+                    </a:lnL>
+                    <a:lnR w="12700" cmpd="sng">
+                      <a:noFill/>
+                    </a:lnR>
+                    <a:lnT w="38100" cmpd="sng">
+                      <a:noFill/>
+                    </a:lnT>
+                    <a:lnB w="12700" cmpd="sng">
+                      <a:noFill/>
+                    </a:lnB>
+                    <a:lnTlToBr w="12700" cmpd="sng">
+                      <a:noFill/>
+                      <a:prstDash val="solid"/>
+                    </a:lnTlToBr>
+                    <a:lnBlToTr w="12700" cmpd="sng">
+                      <a:noFill/>
+                      <a:prstDash val="solid"/>
+                    </a:lnBlToTr>
+                  </a:tcPr>
+                </a:tc>
+                <a:tc>
+                  <a:txBody>
+                    <a:bodyPr/>
+                    <a:lstStyle/>
+                    <a:p>
+                      <a:pPr algn="ctr"/>
+                      <a:r>
+                        <a:rPr lang="it-IT" sz="1000" b="0" dirty="0">
+                          <a:latin typeface="+mj-lt"/>
+                        </a:rPr>
+                        <a:t>-22,31%</a:t>
+                      </a:r>
+                    </a:p>
+                  </a:txBody>
+                  <a:tcPr marT="0" marB="0" anchor="ctr">
+                    <a:lnL w="12700" cmpd="sng">
+                      <a:noFill/>
+                    </a:lnL>
+                    <a:lnR w="12700" cmpd="sng">
+                      <a:noFill/>
+                    </a:lnR>
+                    <a:lnT w="38100" cmpd="sng">
+                      <a:noFill/>
+                    </a:lnT>
+                    <a:lnB w="12700" cmpd="sng">
+                      <a:noFill/>
+                    </a:lnB>
+                    <a:lnTlToBr w="12700" cmpd="sng">
+                      <a:noFill/>
+                      <a:prstDash val="solid"/>
+                    </a:lnTlToBr>
+                    <a:lnBlToTr w="12700" cmpd="sng">
+                      <a:noFill/>
+                      <a:prstDash val="solid"/>
+                    </a:lnBlToTr>
+                  </a:tcPr>
+                </a:tc>
+                <a:tc>
+                  <a:txBody>
+                    <a:bodyPr/>
+                    <a:lstStyle/>
+                    <a:p>
+                      <a:pPr algn="ctr"/>
+                      <a:r>
+                        <a:rPr lang="it-IT" sz="1000" b="0" dirty="0">
+                          <a:latin typeface="+mj-lt"/>
+                        </a:rPr>
+                        <a:t>-22,00%</a:t>
+                      </a:r>
+                    </a:p>
+                  </a:txBody>
+                  <a:tcPr marT="0" marB="0" anchor="ctr">
+                    <a:lnL w="12700" cmpd="sng">
+                      <a:noFill/>
+                    </a:lnL>
+                    <a:lnR w="12700" cmpd="sng">
+                      <a:noFill/>
+                    </a:lnR>
+                    <a:lnT w="38100" cmpd="sng">
+                      <a:noFill/>
+                    </a:lnT>
+                    <a:lnB w="12700" cmpd="sng">
+                      <a:noFill/>
+                    </a:lnB>
+                    <a:lnTlToBr w="12700" cmpd="sng">
+                      <a:noFill/>
+                      <a:prstDash val="solid"/>
+                    </a:lnTlToBr>
+                    <a:lnBlToTr w="12700" cmpd="sng">
+                      <a:noFill/>
+                      <a:prstDash val="solid"/>
+                    </a:lnBlToTr>
+                  </a:tcPr>
+                </a:tc>
+                <a:extLst>
+                  <a:ext uri="{0D108BD9-81ED-4DB2-BD59-A6C34878D82A}">
+                    <a16:rowId xmlns:a16="http://schemas.microsoft.com/office/drawing/2014/main" val="1848806223"/>
+                  </a:ext>
+                </a:extLst>
+              </a:tr>
+              <a:tr h="323255">
+                <a:tc>
+                  <a:txBody>
+                    <a:bodyPr/>
+                    <a:lstStyle/>
+                    <a:p>
+                      <a:pPr algn="ctr"/>
+                      <a:r>
+                        <a:rPr lang="it-IT" sz="1000" b="1" dirty="0">
+                          <a:latin typeface="+mj-lt"/>
+                        </a:rPr>
+                        <a:t>ROI</a:t>
+                      </a:r>
+                    </a:p>
+                  </a:txBody>
+                  <a:tcPr marT="0" marB="0" anchor="ctr">
+                    <a:lnL w="12700" cmpd="sng">
+                      <a:noFill/>
+                    </a:lnL>
+                    <a:lnR w="12700" cmpd="sng">
+                      <a:noFill/>
+                    </a:lnR>
+                    <a:lnT w="12700" cmpd="sng">
+                      <a:noFill/>
+                    </a:lnT>
+                    <a:lnB w="12700" cmpd="sng">
+                      <a:noFill/>
+                    </a:lnB>
+                    <a:lnTlToBr w="12700" cmpd="sng">
+                      <a:noFill/>
+                      <a:prstDash val="solid"/>
+                    </a:lnTlToBr>
+                    <a:lnBlToTr w="12700" cmpd="sng">
+                      <a:noFill/>
+                      <a:prstDash val="solid"/>
+                    </a:lnBlToTr>
+                  </a:tcPr>
+                </a:tc>
+                <a:tc>
+                  <a:txBody>
+                    <a:bodyPr/>
+                    <a:lstStyle/>
+                    <a:p>
+                      <a:pPr algn="ctr"/>
+                      <a:r>
+                        <a:rPr lang="it-IT" sz="1000" b="0" dirty="0">
+                          <a:latin typeface="+mj-lt"/>
+                        </a:rPr>
+                        <a:t>EBIT / Cap. </a:t>
+                      </a:r>
+                      <a:r>
+                        <a:rPr lang="it-IT" sz="1000" b="0" dirty="0" err="1">
+                          <a:latin typeface="+mj-lt"/>
+                        </a:rPr>
+                        <a:t>Inv</a:t>
+                      </a:r>
+                      <a:r>
+                        <a:rPr lang="it-IT" sz="1000" b="0" dirty="0">
+                          <a:latin typeface="+mj-lt"/>
+                        </a:rPr>
+                        <a:t>.</a:t>
+                      </a:r>
+                    </a:p>
+                  </a:txBody>
+                  <a:tcPr marT="0" marB="0" anchor="ctr">
+                    <a:lnL w="12700" cmpd="sng">
+                      <a:noFill/>
+                    </a:lnL>
+                    <a:lnR w="12700" cmpd="sng">
+                      <a:noFill/>
+                    </a:lnR>
+                    <a:lnT w="12700" cmpd="sng">
+                      <a:noFill/>
+                    </a:lnT>
+                    <a:lnB w="12700" cmpd="sng">
+                      <a:noFill/>
+                    </a:lnB>
+                    <a:lnTlToBr w="12700" cmpd="sng">
+                      <a:noFill/>
+                      <a:prstDash val="solid"/>
+                    </a:lnTlToBr>
+                    <a:lnBlToTr w="12700" cmpd="sng">
+                      <a:noFill/>
+                      <a:prstDash val="solid"/>
+                    </a:lnBlToTr>
+                  </a:tcPr>
+                </a:tc>
+                <a:tc>
+                  <a:txBody>
+                    <a:bodyPr/>
+                    <a:lstStyle/>
+                    <a:p>
+                      <a:pPr algn="ctr"/>
+                      <a:r>
+                        <a:rPr lang="it-IT" sz="1000" b="0" dirty="0">
+                          <a:latin typeface="+mj-lt"/>
+                        </a:rPr>
+                        <a:t>0,78%</a:t>
+                      </a:r>
+                    </a:p>
+                  </a:txBody>
+                  <a:tcPr marT="0" marB="0" anchor="ctr">
+                    <a:lnL w="12700" cmpd="sng">
+                      <a:noFill/>
+                    </a:lnL>
+                    <a:lnR w="12700" cmpd="sng">
+                      <a:noFill/>
+                    </a:lnR>
+                    <a:lnT w="12700" cmpd="sng">
+                      <a:noFill/>
+                    </a:lnT>
+                    <a:lnB w="12700" cmpd="sng">
+                      <a:noFill/>
+                    </a:lnB>
+                    <a:lnTlToBr w="12700" cmpd="sng">
+                      <a:noFill/>
+                      <a:prstDash val="solid"/>
+                    </a:lnTlToBr>
+                    <a:lnBlToTr w="12700" cmpd="sng">
+                      <a:noFill/>
+                      <a:prstDash val="solid"/>
+                    </a:lnBlToTr>
+                  </a:tcPr>
+                </a:tc>
+                <a:tc>
+                  <a:txBody>
+                    <a:bodyPr/>
+                    <a:lstStyle/>
+                    <a:p>
+                      <a:pPr algn="ctr"/>
+                      <a:r>
+                        <a:rPr lang="it-IT" sz="1000" b="0" dirty="0">
+                          <a:latin typeface="+mj-lt"/>
+                        </a:rPr>
+                        <a:t>1,34%</a:t>
+                      </a:r>
+                    </a:p>
+                  </a:txBody>
+                  <a:tcPr marT="0" marB="0" anchor="ctr">
+                    <a:lnL w="12700" cmpd="sng">
+                      <a:noFill/>
+                    </a:lnL>
+                    <a:lnR w="12700" cmpd="sng">
+                      <a:noFill/>
+                    </a:lnR>
+                    <a:lnT w="12700" cmpd="sng">
+                      <a:noFill/>
+                    </a:lnT>
+                    <a:lnB w="12700" cmpd="sng">
+                      <a:noFill/>
+                    </a:lnB>
+                    <a:lnTlToBr w="12700" cmpd="sng">
+                      <a:noFill/>
+                      <a:prstDash val="solid"/>
+                    </a:lnTlToBr>
+                    <a:lnBlToTr w="12700" cmpd="sng">
+                      <a:noFill/>
+                      <a:prstDash val="solid"/>
+                    </a:lnBlToTr>
+                  </a:tcPr>
+                </a:tc>
+                <a:extLst>
+                  <a:ext uri="{0D108BD9-81ED-4DB2-BD59-A6C34878D82A}">
+                    <a16:rowId xmlns:a16="http://schemas.microsoft.com/office/drawing/2014/main" val="815647288"/>
+                  </a:ext>
+                </a:extLst>
+              </a:tr>
+              <a:tr h="323255">
+                <a:tc>
+                  <a:txBody>
+                    <a:bodyPr/>
+                    <a:lstStyle/>
+                    <a:p>
+                      <a:pPr algn="ctr"/>
+                      <a:r>
+                        <a:rPr lang="it-IT" sz="1000" b="1" dirty="0">
+                          <a:latin typeface="+mj-lt"/>
+                        </a:rPr>
+                        <a:t>ROS</a:t>
+                      </a:r>
+                    </a:p>
+                  </a:txBody>
+                  <a:tcPr marT="0" marB="0" anchor="ctr">
+                    <a:lnL w="12700" cmpd="sng">
+                      <a:noFill/>
+                    </a:lnL>
+                    <a:lnR w="12700" cmpd="sng">
+                      <a:noFill/>
+                    </a:lnR>
+                    <a:lnT w="12700" cmpd="sng">
+                      <a:noFill/>
+                    </a:lnT>
+                    <a:lnB w="12700" cmpd="sng">
+                      <a:noFill/>
+                    </a:lnB>
+                    <a:lnTlToBr w="12700" cmpd="sng">
+                      <a:noFill/>
+                      <a:prstDash val="solid"/>
+                    </a:lnTlToBr>
+                    <a:lnBlToTr w="12700" cmpd="sng">
+                      <a:noFill/>
+                      <a:prstDash val="solid"/>
+                    </a:lnBlToTr>
+                  </a:tcPr>
+                </a:tc>
+                <a:tc>
+                  <a:txBody>
+                    <a:bodyPr/>
+                    <a:lstStyle/>
+                    <a:p>
+                      <a:pPr algn="ctr"/>
+                      <a:r>
+                        <a:rPr lang="it-IT" sz="1000" b="0" dirty="0">
+                          <a:latin typeface="+mj-lt"/>
+                        </a:rPr>
+                        <a:t>EBIT / Vendite</a:t>
+                      </a:r>
+                    </a:p>
+                  </a:txBody>
+                  <a:tcPr marT="0" marB="0" anchor="ctr">
+                    <a:lnL w="12700" cmpd="sng">
+                      <a:noFill/>
+                    </a:lnL>
+                    <a:lnR w="12700" cmpd="sng">
+                      <a:noFill/>
+                    </a:lnR>
+                    <a:lnT w="12700" cmpd="sng">
+                      <a:noFill/>
+                    </a:lnT>
+                    <a:lnB w="12700" cmpd="sng">
+                      <a:noFill/>
+                    </a:lnB>
+                    <a:lnTlToBr w="12700" cmpd="sng">
+                      <a:noFill/>
+                      <a:prstDash val="solid"/>
+                    </a:lnTlToBr>
+                    <a:lnBlToTr w="12700" cmpd="sng">
+                      <a:noFill/>
+                      <a:prstDash val="solid"/>
+                    </a:lnBlToTr>
+                  </a:tcPr>
+                </a:tc>
+                <a:tc>
+                  <a:txBody>
+                    <a:bodyPr/>
+                    <a:lstStyle/>
+                    <a:p>
+                      <a:pPr algn="ctr"/>
+                      <a:r>
+                        <a:rPr lang="it-IT" sz="1000" b="0" dirty="0">
+                          <a:latin typeface="+mj-lt"/>
+                        </a:rPr>
+                        <a:t>0,35%</a:t>
+                      </a:r>
+                    </a:p>
+                  </a:txBody>
+                  <a:tcPr marT="0" marB="0" anchor="ctr">
+                    <a:lnL w="12700" cmpd="sng">
+                      <a:noFill/>
+                    </a:lnL>
+                    <a:lnR w="12700" cmpd="sng">
+                      <a:noFill/>
+                    </a:lnR>
+                    <a:lnT w="12700" cmpd="sng">
+                      <a:noFill/>
+                    </a:lnT>
+                    <a:lnB w="12700" cmpd="sng">
+                      <a:noFill/>
+                    </a:lnB>
+                    <a:lnTlToBr w="12700" cmpd="sng">
+                      <a:noFill/>
+                      <a:prstDash val="solid"/>
+                    </a:lnTlToBr>
+                    <a:lnBlToTr w="12700" cmpd="sng">
+                      <a:noFill/>
+                      <a:prstDash val="solid"/>
+                    </a:lnBlToTr>
+                  </a:tcPr>
+                </a:tc>
+                <a:tc>
+                  <a:txBody>
+                    <a:bodyPr/>
+                    <a:lstStyle/>
+                    <a:p>
+                      <a:pPr algn="ctr"/>
+                      <a:r>
+                        <a:rPr lang="it-IT" sz="1000" b="0" dirty="0">
+                          <a:latin typeface="+mj-lt"/>
+                        </a:rPr>
+                        <a:t>0,44%</a:t>
+                      </a:r>
+                    </a:p>
+                  </a:txBody>
+                  <a:tcPr marT="0" marB="0" anchor="ctr">
+                    <a:lnL w="12700" cmpd="sng">
+                      <a:noFill/>
+                    </a:lnL>
+                    <a:lnR w="12700" cmpd="sng">
+                      <a:noFill/>
+                    </a:lnR>
+                    <a:lnT w="12700" cmpd="sng">
+                      <a:noFill/>
+                    </a:lnT>
+                    <a:lnB w="12700" cmpd="sng">
+                      <a:noFill/>
+                    </a:lnB>
+                    <a:lnTlToBr w="12700" cmpd="sng">
+                      <a:noFill/>
+                      <a:prstDash val="solid"/>
+                    </a:lnTlToBr>
+                    <a:lnBlToTr w="12700" cmpd="sng">
+                      <a:noFill/>
+                      <a:prstDash val="solid"/>
+                    </a:lnBlToTr>
+                  </a:tcPr>
+                </a:tc>
+                <a:extLst>
+                  <a:ext uri="{0D108BD9-81ED-4DB2-BD59-A6C34878D82A}">
+                    <a16:rowId xmlns:a16="http://schemas.microsoft.com/office/drawing/2014/main" val="1747629847"/>
+                  </a:ext>
+                </a:extLst>
+              </a:tr>
+              <a:tr h="323255">
+                <a:tc>
+                  <a:txBody>
+                    <a:bodyPr/>
+                    <a:lstStyle/>
+                    <a:p>
+                      <a:pPr algn="ctr"/>
+                      <a:r>
+                        <a:rPr lang="it-IT" sz="1000" b="1" dirty="0">
+                          <a:latin typeface="+mj-lt"/>
+                        </a:rPr>
+                        <a:t>ROT</a:t>
+                      </a:r>
+                    </a:p>
+                  </a:txBody>
+                  <a:tcPr marT="0" marB="0" anchor="ctr">
+                    <a:lnL w="12700" cmpd="sng">
+                      <a:noFill/>
+                    </a:lnL>
+                    <a:lnR w="12700" cmpd="sng">
+                      <a:noFill/>
+                    </a:lnR>
+                    <a:lnT w="12700" cmpd="sng">
+                      <a:noFill/>
+                    </a:lnT>
+                    <a:lnB w="12700" cmpd="sng">
+                      <a:noFill/>
+                    </a:lnB>
+                    <a:lnTlToBr w="12700" cmpd="sng">
+                      <a:noFill/>
+                      <a:prstDash val="solid"/>
+                    </a:lnTlToBr>
+                    <a:lnBlToTr w="12700" cmpd="sng">
+                      <a:noFill/>
+                      <a:prstDash val="solid"/>
+                    </a:lnBlToTr>
+                  </a:tcPr>
+                </a:tc>
+                <a:tc>
+                  <a:txBody>
+                    <a:bodyPr/>
+                    <a:lstStyle/>
+                    <a:p>
+                      <a:pPr algn="ctr"/>
+                      <a:r>
+                        <a:rPr lang="it-IT" sz="1000" b="0" dirty="0">
+                          <a:latin typeface="+mj-lt"/>
+                        </a:rPr>
+                        <a:t>Vendite / Cap. </a:t>
+                      </a:r>
+                      <a:r>
+                        <a:rPr lang="it-IT" sz="1000" b="0" dirty="0" err="1">
+                          <a:latin typeface="+mj-lt"/>
+                        </a:rPr>
+                        <a:t>Inv</a:t>
+                      </a:r>
+                      <a:r>
+                        <a:rPr lang="it-IT" sz="1000" b="0" dirty="0">
+                          <a:latin typeface="+mj-lt"/>
+                        </a:rPr>
+                        <a:t>.</a:t>
+                      </a:r>
+                    </a:p>
+                  </a:txBody>
+                  <a:tcPr marT="0" marB="0" anchor="ctr">
+                    <a:lnL w="12700" cmpd="sng">
+                      <a:noFill/>
+                    </a:lnL>
+                    <a:lnR w="12700" cmpd="sng">
+                      <a:noFill/>
+                    </a:lnR>
+                    <a:lnT w="12700" cmpd="sng">
+                      <a:noFill/>
+                    </a:lnT>
+                    <a:lnB w="12700" cmpd="sng">
+                      <a:noFill/>
+                    </a:lnB>
+                    <a:lnTlToBr w="12700" cmpd="sng">
+                      <a:noFill/>
+                      <a:prstDash val="solid"/>
+                    </a:lnTlToBr>
+                    <a:lnBlToTr w="12700" cmpd="sng">
+                      <a:noFill/>
+                      <a:prstDash val="solid"/>
+                    </a:lnBlToTr>
+                  </a:tcPr>
+                </a:tc>
+                <a:tc>
+                  <a:txBody>
+                    <a:bodyPr/>
+                    <a:lstStyle/>
+                    <a:p>
+                      <a:pPr algn="ctr"/>
+                      <a:r>
+                        <a:rPr lang="it-IT" sz="1000" b="0" dirty="0">
+                          <a:latin typeface="+mj-lt"/>
+                        </a:rPr>
+                        <a:t>2,26</a:t>
+                      </a:r>
+                    </a:p>
+                  </a:txBody>
+                  <a:tcPr marT="0" marB="0" anchor="ctr">
+                    <a:lnL w="12700" cmpd="sng">
+                      <a:noFill/>
+                    </a:lnL>
+                    <a:lnR w="12700" cmpd="sng">
+                      <a:noFill/>
+                    </a:lnR>
+                    <a:lnT w="12700" cmpd="sng">
+                      <a:noFill/>
+                    </a:lnT>
+                    <a:lnB w="12700" cmpd="sng">
+                      <a:noFill/>
+                    </a:lnB>
+                    <a:lnTlToBr w="12700" cmpd="sng">
+                      <a:noFill/>
+                      <a:prstDash val="solid"/>
+                    </a:lnTlToBr>
+                    <a:lnBlToTr w="12700" cmpd="sng">
+                      <a:noFill/>
+                      <a:prstDash val="solid"/>
+                    </a:lnBlToTr>
+                  </a:tcPr>
+                </a:tc>
+                <a:tc>
+                  <a:txBody>
+                    <a:bodyPr/>
+                    <a:lstStyle/>
+                    <a:p>
+                      <a:pPr algn="ctr"/>
+                      <a:r>
+                        <a:rPr lang="it-IT" sz="1000" b="0" dirty="0">
+                          <a:latin typeface="+mj-lt"/>
+                        </a:rPr>
+                        <a:t>3,03</a:t>
+                      </a:r>
+                    </a:p>
+                  </a:txBody>
+                  <a:tcPr marT="0" marB="0" anchor="ctr">
+                    <a:lnL w="12700" cmpd="sng">
+                      <a:noFill/>
+                    </a:lnL>
+                    <a:lnR w="12700" cmpd="sng">
+                      <a:noFill/>
+                    </a:lnR>
+                    <a:lnT w="12700" cmpd="sng">
+                      <a:noFill/>
+                    </a:lnT>
+                    <a:lnB w="12700" cmpd="sng">
+                      <a:noFill/>
+                    </a:lnB>
+                    <a:lnTlToBr w="12700" cmpd="sng">
+                      <a:noFill/>
+                      <a:prstDash val="solid"/>
+                    </a:lnTlToBr>
+                    <a:lnBlToTr w="12700" cmpd="sng">
+                      <a:noFill/>
+                      <a:prstDash val="solid"/>
+                    </a:lnBlToTr>
+                  </a:tcPr>
+                </a:tc>
+                <a:extLst>
+                  <a:ext uri="{0D108BD9-81ED-4DB2-BD59-A6C34878D82A}">
+                    <a16:rowId xmlns:a16="http://schemas.microsoft.com/office/drawing/2014/main" val="3001879225"/>
+                  </a:ext>
+                </a:extLst>
+              </a:tr>
+              <a:tr h="323255">
+                <a:tc>
+                  <a:txBody>
+                    <a:bodyPr/>
+                    <a:lstStyle/>
+                    <a:p>
+                      <a:pPr algn="ctr"/>
+                      <a:r>
+                        <a:rPr lang="it-IT" sz="1000" b="1" dirty="0">
+                          <a:latin typeface="+mj-lt"/>
+                        </a:rPr>
+                        <a:t>ROD</a:t>
+                      </a:r>
+                    </a:p>
+                  </a:txBody>
+                  <a:tcPr marT="0" marB="0" anchor="ctr">
+                    <a:lnL w="12700" cmpd="sng">
+                      <a:noFill/>
+                    </a:lnL>
+                    <a:lnR w="12700" cmpd="sng">
+                      <a:noFill/>
+                    </a:lnR>
+                    <a:lnT w="12700" cmpd="sng">
+                      <a:noFill/>
+                    </a:lnT>
+                    <a:lnB w="12700" cmpd="sng">
+                      <a:noFill/>
+                    </a:lnB>
+                    <a:lnTlToBr w="12700" cmpd="sng">
+                      <a:noFill/>
+                      <a:prstDash val="solid"/>
+                    </a:lnTlToBr>
+                    <a:lnBlToTr w="12700" cmpd="sng">
+                      <a:noFill/>
+                      <a:prstDash val="solid"/>
+                    </a:lnBlToTr>
+                  </a:tcPr>
+                </a:tc>
+                <a:tc>
+                  <a:txBody>
+                    <a:bodyPr/>
+                    <a:lstStyle/>
+                    <a:p>
+                      <a:pPr algn="ctr"/>
+                      <a:r>
+                        <a:rPr lang="it-IT" sz="1000" b="0" dirty="0">
+                          <a:latin typeface="+mj-lt"/>
+                        </a:rPr>
+                        <a:t>Oneri F. / Mezzi T.F.</a:t>
+                      </a:r>
+                    </a:p>
+                  </a:txBody>
+                  <a:tcPr marT="0" marB="0" anchor="ctr">
+                    <a:lnL w="12700" cmpd="sng">
+                      <a:noFill/>
+                    </a:lnL>
+                    <a:lnR w="12700" cmpd="sng">
+                      <a:noFill/>
+                    </a:lnR>
+                    <a:lnT w="12700" cmpd="sng">
+                      <a:noFill/>
+                    </a:lnT>
+                    <a:lnB w="12700" cmpd="sng">
+                      <a:noFill/>
+                    </a:lnB>
+                    <a:lnTlToBr w="12700" cmpd="sng">
+                      <a:noFill/>
+                      <a:prstDash val="solid"/>
+                    </a:lnTlToBr>
+                    <a:lnBlToTr w="12700" cmpd="sng">
+                      <a:noFill/>
+                      <a:prstDash val="solid"/>
+                    </a:lnBlToTr>
+                  </a:tcPr>
+                </a:tc>
+                <a:tc>
+                  <a:txBody>
+                    <a:bodyPr/>
+                    <a:lstStyle/>
+                    <a:p>
+                      <a:pPr algn="ctr"/>
+                      <a:r>
+                        <a:rPr lang="it-IT" sz="1000" b="0" dirty="0">
+                          <a:latin typeface="+mj-lt"/>
+                        </a:rPr>
+                        <a:t>2,03%</a:t>
+                      </a:r>
+                    </a:p>
+                  </a:txBody>
+                  <a:tcPr marT="0" marB="0" anchor="ctr">
+                    <a:lnL w="12700" cmpd="sng">
+                      <a:noFill/>
+                    </a:lnL>
+                    <a:lnR w="12700" cmpd="sng">
+                      <a:noFill/>
+                    </a:lnR>
+                    <a:lnT w="12700" cmpd="sng">
+                      <a:noFill/>
+                    </a:lnT>
+                    <a:lnB w="12700" cmpd="sng">
+                      <a:noFill/>
+                    </a:lnB>
+                    <a:lnTlToBr w="12700" cmpd="sng">
+                      <a:noFill/>
+                      <a:prstDash val="solid"/>
+                    </a:lnTlToBr>
+                    <a:lnBlToTr w="12700" cmpd="sng">
+                      <a:noFill/>
+                      <a:prstDash val="solid"/>
+                    </a:lnBlToTr>
+                  </a:tcPr>
+                </a:tc>
+                <a:tc>
+                  <a:txBody>
+                    <a:bodyPr/>
+                    <a:lstStyle/>
+                    <a:p>
+                      <a:pPr algn="ctr"/>
+                      <a:r>
+                        <a:rPr lang="it-IT" sz="1000" b="0" dirty="0">
+                          <a:latin typeface="+mj-lt"/>
+                        </a:rPr>
+                        <a:t>3,96%</a:t>
+                      </a:r>
+                    </a:p>
+                  </a:txBody>
+                  <a:tcPr marT="0" marB="0" anchor="ctr">
+                    <a:lnL w="12700" cmpd="sng">
+                      <a:noFill/>
+                    </a:lnL>
+                    <a:lnR w="12700" cmpd="sng">
+                      <a:noFill/>
+                    </a:lnR>
+                    <a:lnT w="12700" cmpd="sng">
+                      <a:noFill/>
+                    </a:lnT>
+                    <a:lnB w="12700" cmpd="sng">
+                      <a:noFill/>
+                    </a:lnB>
+                    <a:lnTlToBr w="12700" cmpd="sng">
+                      <a:noFill/>
+                      <a:prstDash val="solid"/>
+                    </a:lnTlToBr>
+                    <a:lnBlToTr w="12700" cmpd="sng">
+                      <a:noFill/>
+                      <a:prstDash val="solid"/>
+                    </a:lnBlToTr>
+                  </a:tcPr>
+                </a:tc>
+                <a:extLst>
+                  <a:ext uri="{0D108BD9-81ED-4DB2-BD59-A6C34878D82A}">
+                    <a16:rowId xmlns:a16="http://schemas.microsoft.com/office/drawing/2014/main" val="523834416"/>
+                  </a:ext>
+                </a:extLst>
+              </a:tr>
+            </a:tbl>
+          </a:graphicData>
+        </a:graphic>
+      </p:graphicFrame>
+      <p:graphicFrame>
+        <p:nvGraphicFramePr>
+          <p:cNvPr id="8" name="Grafico 7">
+            <a:extLst>
+              <a:ext uri="{FF2B5EF4-FFF2-40B4-BE49-F238E27FC236}">
+                <a16:creationId xmlns:a16="http://schemas.microsoft.com/office/drawing/2014/main" id="{C57A6976-8B55-4248-B37B-F050B7AD1A27}"/>
+              </a:ext>
+            </a:extLst>
+          </p:cNvPr>
+          <p:cNvGraphicFramePr/>
+          <p:nvPr>
+            <p:extLst>
+              <p:ext uri="{D42A27DB-BD31-4B8C-83A1-F6EECF244321}">
+                <p14:modId xmlns:p14="http://schemas.microsoft.com/office/powerpoint/2010/main" val="715638691"/>
+              </p:ext>
+            </p:extLst>
+          </p:nvPr>
+        </p:nvGraphicFramePr>
+        <p:xfrm>
+          <a:off x="422415" y="1217844"/>
+          <a:ext cx="5059223" cy="4017404"/>
+        </p:xfrm>
+        <a:graphic>
+          <a:graphicData uri="http://schemas.openxmlformats.org/drawingml/2006/chart">
+            <c:chart xmlns:c="http://schemas.openxmlformats.org/drawingml/2006/chart" xmlns:r="http://schemas.openxmlformats.org/officeDocument/2006/relationships" r:id="rId7"/>
+          </a:graphicData>
+        </a:graphic>
+      </p:graphicFrame>
+      <p:sp>
+        <p:nvSpPr>
+          <p:cNvPr id="9" name="CasellaDiTesto 8">
+            <a:extLst>
+              <a:ext uri="{FF2B5EF4-FFF2-40B4-BE49-F238E27FC236}">
+                <a16:creationId xmlns:a16="http://schemas.microsoft.com/office/drawing/2014/main" id="{6693B1C9-9114-4FC7-83C1-C3E114CA7EA5}"/>
+              </a:ext>
+            </a:extLst>
+          </p:cNvPr>
+          <p:cNvSpPr txBox="1"/>
+          <p:nvPr/>
+        </p:nvSpPr>
+        <p:spPr>
+          <a:xfrm>
+            <a:off x="6230797" y="3429000"/>
+            <a:ext cx="5538788" cy="553998"/>
+          </a:xfrm>
+          <a:prstGeom prst="rect">
+            <a:avLst/>
+          </a:prstGeom>
+          <a:noFill/>
+        </p:spPr>
+        <p:txBody>
+          <a:bodyPr wrap="square" rtlCol="0">
+            <a:spAutoFit/>
+          </a:bodyPr>
+          <a:lstStyle/>
+          <a:p>
+            <a:r>
+              <a:rPr lang="it-IT" sz="1000" dirty="0">
+                <a:solidFill>
+                  <a:schemeClr val="bg1"/>
+                </a:solidFill>
+                <a:latin typeface="+mj-lt"/>
+              </a:rPr>
+              <a:t>Il ROE molto negativo indica un’erosione del capitale netto dovuta alle perdite.</a:t>
+            </a:r>
+          </a:p>
+          <a:p>
+            <a:endParaRPr lang="it-IT" sz="1000" dirty="0">
+              <a:solidFill>
+                <a:schemeClr val="bg1"/>
+              </a:solidFill>
+              <a:latin typeface="+mj-lt"/>
+            </a:endParaRPr>
+          </a:p>
+          <a:p>
+            <a:r>
+              <a:rPr lang="it-IT" sz="1000" dirty="0">
+                <a:solidFill>
+                  <a:schemeClr val="bg1"/>
+                </a:solidFill>
+                <a:latin typeface="+mj-lt"/>
+              </a:rPr>
+              <a:t>La relazione ROI &gt; ROD indica che per l’impresa non è conveniente ricorrere a mezzi di terzi finanziari.</a:t>
+            </a:r>
+          </a:p>
+        </p:txBody>
+      </p:sp>
+    </p:spTree>
+    <p:extLst>
+      <p:ext uri="{BB962C8B-B14F-4D97-AF65-F5344CB8AC3E}">
+        <p14:creationId xmlns:p14="http://schemas.microsoft.com/office/powerpoint/2010/main" val="3475532148"/>
+      </p:ext>
+    </p:extLst>
+  </p:cSld>
+  <p:clrMapOvr>
+    <a:overrideClrMapping bg1="dk1" tx1="lt1" bg2="dk2" tx2="lt2" accent1="accent1" accent2="accent2" accent3="accent3" accent4="accent4" accent5="accent5" accent6="accent6" hlink="hlink" folHlink="folHlink"/>
+  </p:clrMapOvr>
+</p:sld>
+</file>
+
+<file path=ppt/slides/slide11.xml><?xml version="1.0" encoding="utf-8"?>
 <p:sld xmlns:a="http://schemas.openxmlformats.org/drawingml/2006/main" xmlns:r="http://schemas.openxmlformats.org/officeDocument/2006/relationships" xmlns:p="http://schemas.openxmlformats.org/presentationml/2006/main">
   <p:cSld>
     <p:bg>
